--- a/lecture_ppts/(Optional) Garbage Classification with deep learning.pptx
+++ b/lecture_ppts/(Optional) Garbage Classification with deep learning.pptx
@@ -513,7 +513,7 @@
               <a:pPr>
                 <a:defRPr/>
               </a:pPr>
-              <a:t>8/12/2021</a:t>
+              <a:t>8/9/2022</a:t>
             </a:fld>
             <a:endParaRPr lang="en-US" altLang="ko-KR" dirty="0"/>
           </a:p>
@@ -553,7 +553,7 @@
           <a:lstStyle/>
           <a:p>
             <a:pPr lvl="0"/>
-            <a:endParaRPr lang="ko-KR" altLang="ko-KR" noProof="0" smtClean="0"/>
+            <a:endParaRPr lang="ko-KR" altLang="ko-KR" noProof="0"/>
           </a:p>
         </p:txBody>
       </p:sp>
@@ -915,7 +915,7 @@
           <a:lstStyle/>
           <a:p>
             <a:pPr eaLnBrk="1" hangingPunct="1"/>
-            <a:endParaRPr lang="ko-KR" dirty="0" smtClean="0">
+            <a:endParaRPr lang="ko-KR" dirty="0">
               <a:ea typeface="ＭＳ Ｐゴシック" pitchFamily="34" charset="-128"/>
             </a:endParaRPr>
           </a:p>
@@ -1018,7 +1018,7 @@
           <a:bodyPr/>
           <a:lstStyle/>
           <a:p>
-            <a:endParaRPr lang="ko-KR" dirty="0" smtClean="0">
+            <a:endParaRPr lang="ko-KR" dirty="0">
               <a:ea typeface="ＭＳ Ｐゴシック" pitchFamily="34" charset="-128"/>
             </a:endParaRPr>
           </a:p>
@@ -1121,7 +1121,7 @@
           <a:bodyPr/>
           <a:lstStyle/>
           <a:p>
-            <a:endParaRPr lang="ko-KR" dirty="0" smtClean="0">
+            <a:endParaRPr lang="ko-KR" dirty="0">
               <a:ea typeface="ＭＳ Ｐゴシック" pitchFamily="34" charset="-128"/>
             </a:endParaRPr>
           </a:p>
@@ -1224,7 +1224,7 @@
           <a:bodyPr/>
           <a:lstStyle/>
           <a:p>
-            <a:endParaRPr lang="ko-KR" dirty="0" smtClean="0">
+            <a:endParaRPr lang="ko-KR" dirty="0">
               <a:ea typeface="ＭＳ Ｐゴシック" pitchFamily="34" charset="-128"/>
             </a:endParaRPr>
           </a:p>
@@ -1327,7 +1327,7 @@
           <a:bodyPr/>
           <a:lstStyle/>
           <a:p>
-            <a:endParaRPr lang="ko-KR" dirty="0" smtClean="0">
+            <a:endParaRPr lang="ko-KR" dirty="0">
               <a:ea typeface="ＭＳ Ｐゴシック" pitchFamily="34" charset="-128"/>
             </a:endParaRPr>
           </a:p>
@@ -1430,7 +1430,7 @@
           <a:bodyPr/>
           <a:lstStyle/>
           <a:p>
-            <a:endParaRPr lang="ko-KR" dirty="0" smtClean="0">
+            <a:endParaRPr lang="ko-KR" dirty="0">
               <a:ea typeface="ＭＳ Ｐゴシック" pitchFamily="34" charset="-128"/>
             </a:endParaRPr>
           </a:p>
@@ -1533,7 +1533,7 @@
           <a:bodyPr/>
           <a:lstStyle/>
           <a:p>
-            <a:endParaRPr lang="ko-KR" dirty="0" smtClean="0">
+            <a:endParaRPr lang="ko-KR" dirty="0">
               <a:ea typeface="ＭＳ Ｐゴシック" pitchFamily="34" charset="-128"/>
             </a:endParaRPr>
           </a:p>
@@ -1636,7 +1636,7 @@
           <a:bodyPr/>
           <a:lstStyle/>
           <a:p>
-            <a:endParaRPr lang="ko-KR" dirty="0" smtClean="0">
+            <a:endParaRPr lang="ko-KR" dirty="0">
               <a:ea typeface="ＭＳ Ｐゴシック" pitchFamily="34" charset="-128"/>
             </a:endParaRPr>
           </a:p>
@@ -1739,7 +1739,7 @@
           <a:bodyPr/>
           <a:lstStyle/>
           <a:p>
-            <a:endParaRPr lang="ko-KR" dirty="0" smtClean="0">
+            <a:endParaRPr lang="ko-KR" dirty="0">
               <a:ea typeface="ＭＳ Ｐゴシック" pitchFamily="34" charset="-128"/>
             </a:endParaRPr>
           </a:p>
@@ -1842,7 +1842,7 @@
           <a:bodyPr/>
           <a:lstStyle/>
           <a:p>
-            <a:endParaRPr lang="ko-KR" dirty="0" smtClean="0">
+            <a:endParaRPr lang="ko-KR" dirty="0">
               <a:ea typeface="ＭＳ Ｐゴシック" pitchFamily="34" charset="-128"/>
             </a:endParaRPr>
           </a:p>
@@ -1945,7 +1945,7 @@
           <a:bodyPr/>
           <a:lstStyle/>
           <a:p>
-            <a:endParaRPr lang="ko-KR" dirty="0" smtClean="0">
+            <a:endParaRPr lang="ko-KR" dirty="0">
               <a:ea typeface="ＭＳ Ｐゴシック" pitchFamily="34" charset="-128"/>
             </a:endParaRPr>
           </a:p>
@@ -2048,7 +2048,7 @@
           <a:bodyPr/>
           <a:lstStyle/>
           <a:p>
-            <a:endParaRPr lang="ko-KR" dirty="0" smtClean="0">
+            <a:endParaRPr lang="ko-KR" dirty="0">
               <a:ea typeface="ＭＳ Ｐゴシック" pitchFamily="34" charset="-128"/>
             </a:endParaRPr>
           </a:p>
@@ -2151,7 +2151,7 @@
           <a:bodyPr/>
           <a:lstStyle/>
           <a:p>
-            <a:endParaRPr lang="ko-KR" dirty="0" smtClean="0">
+            <a:endParaRPr lang="ko-KR" dirty="0">
               <a:ea typeface="ＭＳ Ｐゴシック" pitchFamily="34" charset="-128"/>
             </a:endParaRPr>
           </a:p>
@@ -2254,7 +2254,7 @@
           <a:bodyPr/>
           <a:lstStyle/>
           <a:p>
-            <a:endParaRPr lang="ko-KR" dirty="0" smtClean="0">
+            <a:endParaRPr lang="ko-KR" dirty="0">
               <a:ea typeface="ＭＳ Ｐゴシック" pitchFamily="34" charset="-128"/>
             </a:endParaRPr>
           </a:p>
@@ -2357,7 +2357,7 @@
           <a:bodyPr/>
           <a:lstStyle/>
           <a:p>
-            <a:endParaRPr lang="ko-KR" dirty="0" smtClean="0">
+            <a:endParaRPr lang="ko-KR" dirty="0">
               <a:ea typeface="ＭＳ Ｐゴシック" pitchFamily="34" charset="-128"/>
             </a:endParaRPr>
           </a:p>
@@ -2634,10 +2634,9 @@
           </a:lstStyle>
           <a:p>
             <a:r>
-              <a:rPr lang="en-US" smtClean="0"/>
+              <a:rPr lang="en-US"/>
               <a:t>Click to edit Master title style</a:t>
             </a:r>
-            <a:endParaRPr lang="en-US"/>
           </a:p>
         </p:txBody>
       </p:sp>
@@ -2698,10 +2697,9 @@
           </a:lstStyle>
           <a:p>
             <a:r>
-              <a:rPr lang="en-US" smtClean="0"/>
+              <a:rPr lang="en-US"/>
               <a:t>Click to edit Master subtitle style</a:t>
             </a:r>
-            <a:endParaRPr lang="en-US"/>
           </a:p>
         </p:txBody>
       </p:sp>
@@ -2855,10 +2853,9 @@
           <a:lstStyle/>
           <a:p>
             <a:r>
-              <a:rPr lang="en-US" smtClean="0"/>
+              <a:rPr lang="en-US"/>
               <a:t>Click to edit Master title style</a:t>
             </a:r>
-            <a:endParaRPr lang="en-US"/>
           </a:p>
         </p:txBody>
       </p:sp>
@@ -2879,38 +2876,37 @@
           <a:p>
             <a:pPr lvl="0"/>
             <a:r>
-              <a:rPr lang="en-US" smtClean="0"/>
+              <a:rPr lang="en-US"/>
               <a:t>Click to edit Master text styles</a:t>
             </a:r>
           </a:p>
           <a:p>
             <a:pPr lvl="1"/>
             <a:r>
-              <a:rPr lang="en-US" smtClean="0"/>
+              <a:rPr lang="en-US"/>
               <a:t>Second level</a:t>
             </a:r>
           </a:p>
           <a:p>
             <a:pPr lvl="2"/>
             <a:r>
-              <a:rPr lang="en-US" smtClean="0"/>
+              <a:rPr lang="en-US"/>
               <a:t>Third level</a:t>
             </a:r>
           </a:p>
           <a:p>
             <a:pPr lvl="3"/>
             <a:r>
-              <a:rPr lang="en-US" smtClean="0"/>
+              <a:rPr lang="en-US"/>
               <a:t>Fourth level</a:t>
             </a:r>
           </a:p>
           <a:p>
             <a:pPr lvl="4"/>
             <a:r>
-              <a:rPr lang="en-US" smtClean="0"/>
+              <a:rPr lang="en-US"/>
               <a:t>Fifth level</a:t>
             </a:r>
-            <a:endParaRPr lang="en-US"/>
           </a:p>
         </p:txBody>
       </p:sp>
@@ -3199,10 +3195,9 @@
           <a:lstStyle/>
           <a:p>
             <a:r>
-              <a:rPr lang="en-US" smtClean="0"/>
+              <a:rPr lang="en-US"/>
               <a:t>Click to edit Master title style</a:t>
             </a:r>
-            <a:endParaRPr lang="en-US"/>
           </a:p>
         </p:txBody>
       </p:sp>
@@ -3228,38 +3223,37 @@
           <a:p>
             <a:pPr lvl="0"/>
             <a:r>
-              <a:rPr lang="en-US" smtClean="0"/>
+              <a:rPr lang="en-US"/>
               <a:t>Click to edit Master text styles</a:t>
             </a:r>
           </a:p>
           <a:p>
             <a:pPr lvl="1"/>
             <a:r>
-              <a:rPr lang="en-US" smtClean="0"/>
+              <a:rPr lang="en-US"/>
               <a:t>Second level</a:t>
             </a:r>
           </a:p>
           <a:p>
             <a:pPr lvl="2"/>
             <a:r>
-              <a:rPr lang="en-US" smtClean="0"/>
+              <a:rPr lang="en-US"/>
               <a:t>Third level</a:t>
             </a:r>
           </a:p>
           <a:p>
             <a:pPr lvl="3"/>
             <a:r>
-              <a:rPr lang="en-US" smtClean="0"/>
+              <a:rPr lang="en-US"/>
               <a:t>Fourth level</a:t>
             </a:r>
           </a:p>
           <a:p>
             <a:pPr lvl="4"/>
             <a:r>
-              <a:rPr lang="en-US" smtClean="0"/>
+              <a:rPr lang="en-US"/>
               <a:t>Fifth level</a:t>
             </a:r>
-            <a:endParaRPr lang="en-US"/>
           </a:p>
         </p:txBody>
       </p:sp>
@@ -3403,10 +3397,9 @@
           <a:lstStyle/>
           <a:p>
             <a:r>
-              <a:rPr lang="en-US" smtClean="0"/>
+              <a:rPr lang="en-US"/>
               <a:t>Click to edit Master title style</a:t>
             </a:r>
-            <a:endParaRPr lang="en-US"/>
           </a:p>
         </p:txBody>
       </p:sp>
@@ -3432,38 +3425,37 @@
           <a:p>
             <a:pPr lvl="0"/>
             <a:r>
-              <a:rPr lang="en-US" smtClean="0"/>
+              <a:rPr lang="en-US"/>
               <a:t>Click to edit Master text styles</a:t>
             </a:r>
           </a:p>
           <a:p>
             <a:pPr lvl="1"/>
             <a:r>
-              <a:rPr lang="en-US" smtClean="0"/>
+              <a:rPr lang="en-US"/>
               <a:t>Second level</a:t>
             </a:r>
           </a:p>
           <a:p>
             <a:pPr lvl="2"/>
             <a:r>
-              <a:rPr lang="en-US" smtClean="0"/>
+              <a:rPr lang="en-US"/>
               <a:t>Third level</a:t>
             </a:r>
           </a:p>
           <a:p>
             <a:pPr lvl="3"/>
             <a:r>
-              <a:rPr lang="en-US" smtClean="0"/>
+              <a:rPr lang="en-US"/>
               <a:t>Fourth level</a:t>
             </a:r>
           </a:p>
           <a:p>
             <a:pPr lvl="4"/>
             <a:r>
-              <a:rPr lang="en-US" smtClean="0"/>
+              <a:rPr lang="en-US"/>
               <a:t>Fifth level</a:t>
             </a:r>
-            <a:endParaRPr lang="en-US"/>
           </a:p>
         </p:txBody>
       </p:sp>
@@ -3489,38 +3481,37 @@
           <a:p>
             <a:pPr lvl="0"/>
             <a:r>
-              <a:rPr lang="en-US" smtClean="0"/>
+              <a:rPr lang="en-US"/>
               <a:t>Click to edit Master text styles</a:t>
             </a:r>
           </a:p>
           <a:p>
             <a:pPr lvl="1"/>
             <a:r>
-              <a:rPr lang="en-US" smtClean="0"/>
+              <a:rPr lang="en-US"/>
               <a:t>Second level</a:t>
             </a:r>
           </a:p>
           <a:p>
             <a:pPr lvl="2"/>
             <a:r>
-              <a:rPr lang="en-US" smtClean="0"/>
+              <a:rPr lang="en-US"/>
               <a:t>Third level</a:t>
             </a:r>
           </a:p>
           <a:p>
             <a:pPr lvl="3"/>
             <a:r>
-              <a:rPr lang="en-US" smtClean="0"/>
+              <a:rPr lang="en-US"/>
               <a:t>Fourth level</a:t>
             </a:r>
           </a:p>
           <a:p>
             <a:pPr lvl="4"/>
             <a:r>
-              <a:rPr lang="en-US" smtClean="0"/>
+              <a:rPr lang="en-US"/>
               <a:t>Fifth level</a:t>
             </a:r>
-            <a:endParaRPr lang="en-US"/>
           </a:p>
         </p:txBody>
       </p:sp>
@@ -3546,38 +3537,37 @@
           <a:p>
             <a:pPr lvl="0"/>
             <a:r>
-              <a:rPr lang="en-US" dirty="0" smtClean="0"/>
+              <a:rPr lang="en-US" dirty="0"/>
               <a:t>Click to edit Master text styles</a:t>
             </a:r>
           </a:p>
           <a:p>
             <a:pPr lvl="1"/>
             <a:r>
-              <a:rPr lang="en-US" dirty="0" smtClean="0"/>
+              <a:rPr lang="en-US" dirty="0"/>
               <a:t>Second level</a:t>
             </a:r>
           </a:p>
           <a:p>
             <a:pPr lvl="2"/>
             <a:r>
-              <a:rPr lang="en-US" dirty="0" smtClean="0"/>
+              <a:rPr lang="en-US" dirty="0"/>
               <a:t>Third level</a:t>
             </a:r>
           </a:p>
           <a:p>
             <a:pPr lvl="3"/>
             <a:r>
-              <a:rPr lang="en-US" dirty="0" smtClean="0"/>
+              <a:rPr lang="en-US" dirty="0"/>
               <a:t>Fourth level</a:t>
             </a:r>
           </a:p>
           <a:p>
             <a:pPr lvl="4"/>
             <a:r>
-              <a:rPr lang="en-US" dirty="0" smtClean="0"/>
+              <a:rPr lang="en-US" dirty="0"/>
               <a:t>Fifth level</a:t>
             </a:r>
-            <a:endParaRPr lang="en-US" dirty="0"/>
           </a:p>
         </p:txBody>
       </p:sp>
@@ -3603,38 +3593,37 @@
           <a:p>
             <a:pPr lvl="0"/>
             <a:r>
-              <a:rPr lang="en-US" smtClean="0"/>
+              <a:rPr lang="en-US"/>
               <a:t>Click to edit Master text styles</a:t>
             </a:r>
           </a:p>
           <a:p>
             <a:pPr lvl="1"/>
             <a:r>
-              <a:rPr lang="en-US" smtClean="0"/>
+              <a:rPr lang="en-US"/>
               <a:t>Second level</a:t>
             </a:r>
           </a:p>
           <a:p>
             <a:pPr lvl="2"/>
             <a:r>
-              <a:rPr lang="en-US" smtClean="0"/>
+              <a:rPr lang="en-US"/>
               <a:t>Third level</a:t>
             </a:r>
           </a:p>
           <a:p>
             <a:pPr lvl="3"/>
             <a:r>
-              <a:rPr lang="en-US" smtClean="0"/>
+              <a:rPr lang="en-US"/>
               <a:t>Fourth level</a:t>
             </a:r>
           </a:p>
           <a:p>
             <a:pPr lvl="4"/>
             <a:r>
-              <a:rPr lang="en-US" smtClean="0"/>
+              <a:rPr lang="en-US"/>
               <a:t>Fifth level</a:t>
             </a:r>
-            <a:endParaRPr lang="en-US"/>
           </a:p>
         </p:txBody>
       </p:sp>
@@ -3840,13 +3829,6 @@
   <p:clrMapOvr>
     <a:masterClrMapping/>
   </p:clrMapOvr>
-  <p:timing>
-    <p:tnLst>
-      <p:par>
-        <p:cTn id="1" dur="indefinite" restart="never" nodeType="tmRoot"/>
-      </p:par>
-    </p:tnLst>
-  </p:timing>
 </p:sldLayout>
 </file>
 
@@ -4099,10 +4081,9 @@
           <a:lstStyle/>
           <a:p>
             <a:r>
-              <a:rPr lang="en-US" smtClean="0"/>
+              <a:rPr lang="en-US"/>
               <a:t>Click to edit Master title style</a:t>
             </a:r>
-            <a:endParaRPr lang="en-US"/>
           </a:p>
         </p:txBody>
       </p:sp>
@@ -4128,38 +4109,37 @@
           <a:p>
             <a:pPr lvl="0"/>
             <a:r>
-              <a:rPr lang="en-US" smtClean="0"/>
+              <a:rPr lang="en-US"/>
               <a:t>Click to edit Master text styles</a:t>
             </a:r>
           </a:p>
           <a:p>
             <a:pPr lvl="1"/>
             <a:r>
-              <a:rPr lang="en-US" smtClean="0"/>
+              <a:rPr lang="en-US"/>
               <a:t>Second level</a:t>
             </a:r>
           </a:p>
           <a:p>
             <a:pPr lvl="2"/>
             <a:r>
-              <a:rPr lang="en-US" smtClean="0"/>
+              <a:rPr lang="en-US"/>
               <a:t>Third level</a:t>
             </a:r>
           </a:p>
           <a:p>
             <a:pPr lvl="3"/>
             <a:r>
-              <a:rPr lang="en-US" smtClean="0"/>
+              <a:rPr lang="en-US"/>
               <a:t>Fourth level</a:t>
             </a:r>
           </a:p>
           <a:p>
             <a:pPr lvl="4"/>
             <a:r>
-              <a:rPr lang="en-US" smtClean="0"/>
+              <a:rPr lang="en-US"/>
               <a:t>Fifth level</a:t>
             </a:r>
-            <a:endParaRPr lang="en-US"/>
           </a:p>
         </p:txBody>
       </p:sp>
@@ -4419,10 +4399,9 @@
           </a:lstStyle>
           <a:p>
             <a:r>
-              <a:rPr lang="en-US" smtClean="0"/>
+              <a:rPr lang="en-US"/>
               <a:t>Click to edit Master title style</a:t>
             </a:r>
-            <a:endParaRPr lang="en-US"/>
           </a:p>
         </p:txBody>
       </p:sp>
@@ -4499,7 +4478,7 @@
           <a:p>
             <a:pPr lvl="0"/>
             <a:r>
-              <a:rPr lang="en-US" smtClean="0"/>
+              <a:rPr lang="en-US"/>
               <a:t>Click to edit Master text styles</a:t>
             </a:r>
           </a:p>
@@ -4660,10 +4639,9 @@
           <a:lstStyle/>
           <a:p>
             <a:r>
-              <a:rPr lang="en-US" smtClean="0"/>
+              <a:rPr lang="en-US"/>
               <a:t>Click to edit Master title style</a:t>
             </a:r>
-            <a:endParaRPr lang="en-US"/>
           </a:p>
         </p:txBody>
       </p:sp>
@@ -4689,38 +4667,37 @@
           <a:p>
             <a:pPr lvl="0"/>
             <a:r>
-              <a:rPr lang="en-US" smtClean="0"/>
+              <a:rPr lang="en-US"/>
               <a:t>Click to edit Master text styles</a:t>
             </a:r>
           </a:p>
           <a:p>
             <a:pPr lvl="1"/>
             <a:r>
-              <a:rPr lang="en-US" smtClean="0"/>
+              <a:rPr lang="en-US"/>
               <a:t>Second level</a:t>
             </a:r>
           </a:p>
           <a:p>
             <a:pPr lvl="2"/>
             <a:r>
-              <a:rPr lang="en-US" smtClean="0"/>
+              <a:rPr lang="en-US"/>
               <a:t>Third level</a:t>
             </a:r>
           </a:p>
           <a:p>
             <a:pPr lvl="3"/>
             <a:r>
-              <a:rPr lang="en-US" smtClean="0"/>
+              <a:rPr lang="en-US"/>
               <a:t>Fourth level</a:t>
             </a:r>
           </a:p>
           <a:p>
             <a:pPr lvl="4"/>
             <a:r>
-              <a:rPr lang="en-US" smtClean="0"/>
+              <a:rPr lang="en-US"/>
               <a:t>Fifth level</a:t>
             </a:r>
-            <a:endParaRPr lang="en-US"/>
           </a:p>
         </p:txBody>
       </p:sp>
@@ -4746,38 +4723,37 @@
           <a:p>
             <a:pPr lvl="0"/>
             <a:r>
-              <a:rPr lang="en-US" smtClean="0"/>
+              <a:rPr lang="en-US"/>
               <a:t>Click to edit Master text styles</a:t>
             </a:r>
           </a:p>
           <a:p>
             <a:pPr lvl="1"/>
             <a:r>
-              <a:rPr lang="en-US" smtClean="0"/>
+              <a:rPr lang="en-US"/>
               <a:t>Second level</a:t>
             </a:r>
           </a:p>
           <a:p>
             <a:pPr lvl="2"/>
             <a:r>
-              <a:rPr lang="en-US" smtClean="0"/>
+              <a:rPr lang="en-US"/>
               <a:t>Third level</a:t>
             </a:r>
           </a:p>
           <a:p>
             <a:pPr lvl="3"/>
             <a:r>
-              <a:rPr lang="en-US" smtClean="0"/>
+              <a:rPr lang="en-US"/>
               <a:t>Fourth level</a:t>
             </a:r>
           </a:p>
           <a:p>
             <a:pPr lvl="4"/>
             <a:r>
-              <a:rPr lang="en-US" smtClean="0"/>
+              <a:rPr lang="en-US"/>
               <a:t>Fifth level</a:t>
             </a:r>
-            <a:endParaRPr lang="en-US"/>
           </a:p>
         </p:txBody>
       </p:sp>
@@ -4925,10 +4901,9 @@
           </a:lstStyle>
           <a:p>
             <a:r>
-              <a:rPr lang="en-US" smtClean="0"/>
+              <a:rPr lang="en-US"/>
               <a:t>Click to edit Master title style</a:t>
             </a:r>
-            <a:endParaRPr lang="en-US"/>
           </a:p>
         </p:txBody>
       </p:sp>
@@ -4985,7 +4960,7 @@
           <a:p>
             <a:pPr lvl="0"/>
             <a:r>
-              <a:rPr lang="en-US" smtClean="0"/>
+              <a:rPr lang="en-US"/>
               <a:t>Click to edit Master text styles</a:t>
             </a:r>
           </a:p>
@@ -5042,7 +5017,7 @@
           <a:p>
             <a:pPr lvl="0"/>
             <a:r>
-              <a:rPr lang="en-US" smtClean="0"/>
+              <a:rPr lang="en-US"/>
               <a:t>Click to edit Master text styles</a:t>
             </a:r>
           </a:p>
@@ -5070,38 +5045,37 @@
           <a:p>
             <a:pPr lvl="0"/>
             <a:r>
-              <a:rPr lang="en-US" smtClean="0"/>
+              <a:rPr lang="en-US"/>
               <a:t>Click to edit Master text styles</a:t>
             </a:r>
           </a:p>
           <a:p>
             <a:pPr lvl="1"/>
             <a:r>
-              <a:rPr lang="en-US" smtClean="0"/>
+              <a:rPr lang="en-US"/>
               <a:t>Second level</a:t>
             </a:r>
           </a:p>
           <a:p>
             <a:pPr lvl="2"/>
             <a:r>
-              <a:rPr lang="en-US" smtClean="0"/>
+              <a:rPr lang="en-US"/>
               <a:t>Third level</a:t>
             </a:r>
           </a:p>
           <a:p>
             <a:pPr lvl="3"/>
             <a:r>
-              <a:rPr lang="en-US" smtClean="0"/>
+              <a:rPr lang="en-US"/>
               <a:t>Fourth level</a:t>
             </a:r>
           </a:p>
           <a:p>
             <a:pPr lvl="4"/>
             <a:r>
-              <a:rPr lang="en-US" smtClean="0"/>
+              <a:rPr lang="en-US"/>
               <a:t>Fifth level</a:t>
             </a:r>
-            <a:endParaRPr lang="en-US"/>
           </a:p>
         </p:txBody>
       </p:sp>
@@ -5127,38 +5101,37 @@
           <a:p>
             <a:pPr lvl="0"/>
             <a:r>
-              <a:rPr lang="en-US" smtClean="0"/>
+              <a:rPr lang="en-US"/>
               <a:t>Click to edit Master text styles</a:t>
             </a:r>
           </a:p>
           <a:p>
             <a:pPr lvl="1"/>
             <a:r>
-              <a:rPr lang="en-US" smtClean="0"/>
+              <a:rPr lang="en-US"/>
               <a:t>Second level</a:t>
             </a:r>
           </a:p>
           <a:p>
             <a:pPr lvl="2"/>
             <a:r>
-              <a:rPr lang="en-US" smtClean="0"/>
+              <a:rPr lang="en-US"/>
               <a:t>Third level</a:t>
             </a:r>
           </a:p>
           <a:p>
             <a:pPr lvl="3"/>
             <a:r>
-              <a:rPr lang="en-US" smtClean="0"/>
+              <a:rPr lang="en-US"/>
               <a:t>Fourth level</a:t>
             </a:r>
           </a:p>
           <a:p>
             <a:pPr lvl="4"/>
             <a:r>
-              <a:rPr lang="en-US" smtClean="0"/>
+              <a:rPr lang="en-US"/>
               <a:t>Fifth level</a:t>
             </a:r>
-            <a:endParaRPr lang="en-US"/>
           </a:p>
         </p:txBody>
       </p:sp>
@@ -5359,10 +5332,9 @@
           <a:lstStyle/>
           <a:p>
             <a:r>
-              <a:rPr lang="en-US" smtClean="0"/>
+              <a:rPr lang="en-US"/>
               <a:t>Click to edit Master title style</a:t>
             </a:r>
-            <a:endParaRPr lang="en-US"/>
           </a:p>
         </p:txBody>
       </p:sp>
@@ -5885,10 +5857,9 @@
           </a:lstStyle>
           <a:p>
             <a:r>
-              <a:rPr lang="en-US" smtClean="0"/>
+              <a:rPr lang="en-US"/>
               <a:t>Click to edit Master title style</a:t>
             </a:r>
-            <a:endParaRPr lang="en-US"/>
           </a:p>
         </p:txBody>
       </p:sp>
@@ -5945,7 +5916,7 @@
           <a:p>
             <a:pPr lvl="0"/>
             <a:r>
-              <a:rPr lang="en-US" smtClean="0"/>
+              <a:rPr lang="en-US"/>
               <a:t>Click to edit Master text styles</a:t>
             </a:r>
           </a:p>
@@ -5973,38 +5944,37 @@
           <a:p>
             <a:pPr lvl="0"/>
             <a:r>
-              <a:rPr lang="en-US" smtClean="0"/>
+              <a:rPr lang="en-US"/>
               <a:t>Click to edit Master text styles</a:t>
             </a:r>
           </a:p>
           <a:p>
             <a:pPr lvl="1"/>
             <a:r>
-              <a:rPr lang="en-US" smtClean="0"/>
+              <a:rPr lang="en-US"/>
               <a:t>Second level</a:t>
             </a:r>
           </a:p>
           <a:p>
             <a:pPr lvl="2"/>
             <a:r>
-              <a:rPr lang="en-US" smtClean="0"/>
+              <a:rPr lang="en-US"/>
               <a:t>Third level</a:t>
             </a:r>
           </a:p>
           <a:p>
             <a:pPr lvl="3"/>
             <a:r>
-              <a:rPr lang="en-US" smtClean="0"/>
+              <a:rPr lang="en-US"/>
               <a:t>Fourth level</a:t>
             </a:r>
           </a:p>
           <a:p>
             <a:pPr lvl="4"/>
             <a:r>
-              <a:rPr lang="en-US" smtClean="0"/>
+              <a:rPr lang="en-US"/>
               <a:t>Fifth level</a:t>
             </a:r>
-            <a:endParaRPr lang="en-US"/>
           </a:p>
         </p:txBody>
       </p:sp>
@@ -6321,10 +6291,9 @@
           </a:lstStyle>
           <a:p>
             <a:r>
-              <a:rPr lang="en-US" smtClean="0"/>
+              <a:rPr lang="en-US"/>
               <a:t>Click to edit Master title style</a:t>
             </a:r>
-            <a:endParaRPr lang="en-US"/>
           </a:p>
         </p:txBody>
       </p:sp>
@@ -6369,10 +6338,9 @@
           <a:p>
             <a:pPr lvl="0"/>
             <a:r>
-              <a:rPr lang="en-US" noProof="0" dirty="0" smtClean="0"/>
+              <a:rPr lang="en-US" noProof="0" dirty="0"/>
               <a:t>Click icon to add picture</a:t>
             </a:r>
-            <a:endParaRPr lang="en-US" noProof="0" dirty="0"/>
           </a:p>
         </p:txBody>
       </p:sp>
@@ -6416,7 +6384,7 @@
           <a:p>
             <a:pPr lvl="0"/>
             <a:r>
-              <a:rPr lang="en-US" smtClean="0"/>
+              <a:rPr lang="en-US"/>
               <a:t>Click to edit Master text styles</a:t>
             </a:r>
           </a:p>
@@ -6598,7 +6566,7 @@
           <a:p>
             <a:pPr lvl="0"/>
             <a:r>
-              <a:rPr lang="en-US" dirty="0" smtClean="0"/>
+              <a:rPr lang="en-US" dirty="0"/>
               <a:t>Click to edit Master title style</a:t>
             </a:r>
           </a:p>
@@ -6656,35 +6624,35 @@
           <a:p>
             <a:pPr lvl="0"/>
             <a:r>
-              <a:rPr lang="en-US" smtClean="0"/>
+              <a:rPr lang="en-US"/>
               <a:t>Click to edit Master text styles</a:t>
             </a:r>
           </a:p>
           <a:p>
             <a:pPr lvl="1"/>
             <a:r>
-              <a:rPr lang="en-US" smtClean="0"/>
+              <a:rPr lang="en-US"/>
               <a:t>Second level</a:t>
             </a:r>
           </a:p>
           <a:p>
             <a:pPr lvl="2"/>
             <a:r>
-              <a:rPr lang="en-US" smtClean="0"/>
+              <a:rPr lang="en-US"/>
               <a:t>Third level</a:t>
             </a:r>
           </a:p>
           <a:p>
             <a:pPr lvl="3"/>
             <a:r>
-              <a:rPr lang="en-US" smtClean="0"/>
+              <a:rPr lang="en-US"/>
               <a:t>Fourth level</a:t>
             </a:r>
           </a:p>
           <a:p>
             <a:pPr lvl="4"/>
             <a:r>
-              <a:rPr lang="en-US" smtClean="0"/>
+              <a:rPr lang="en-US"/>
               <a:t>Fifth level</a:t>
             </a:r>
           </a:p>
@@ -7355,7 +7323,7 @@
           <a:p>
             <a:pPr algn="ctr" eaLnBrk="0" hangingPunct="0"/>
             <a:r>
-              <a:rPr lang="en-US" altLang="ko-KR" sz="3200" b="1" dirty="0" smtClean="0">
+              <a:rPr lang="en-US" altLang="ko-KR" sz="3200" b="1" dirty="0">
                 <a:latin typeface="Calibri" panose="020F0502020204030204" pitchFamily="34" charset="0"/>
                 <a:ea typeface="Verdana" pitchFamily="34" charset="0"/>
                 <a:cs typeface="Calibri" panose="020F0502020204030204" pitchFamily="34" charset="0"/>
@@ -7374,12 +7342,12 @@
           <a:p>
             <a:pPr algn="ctr" eaLnBrk="0" hangingPunct="0"/>
             <a:r>
-              <a:rPr lang="en-US" altLang="ko-KR" sz="3200" b="1" dirty="0" smtClean="0">
+              <a:rPr lang="en-US" altLang="ko-KR" sz="3200" b="1" dirty="0">
                 <a:latin typeface="Calibri" panose="020F0502020204030204" pitchFamily="34" charset="0"/>
                 <a:ea typeface="Verdana" pitchFamily="34" charset="0"/>
                 <a:cs typeface="Calibri" panose="020F0502020204030204" pitchFamily="34" charset="0"/>
               </a:rPr>
-              <a:t>8.20.2021</a:t>
+              <a:t>8.8.2022</a:t>
             </a:r>
             <a:endParaRPr lang="en-US" altLang="ko-KR" sz="3200" dirty="0">
               <a:latin typeface="Calibri" panose="020F0502020204030204" pitchFamily="34" charset="0"/>
@@ -7457,13 +7425,6 @@
       <p:transition spd="slow" advTm="8604"/>
     </mc:Fallback>
   </mc:AlternateContent>
-  <p:timing>
-    <p:tnLst>
-      <p:par>
-        <p:cTn id="1" dur="indefinite" restart="never" nodeType="tmRoot"/>
-      </p:par>
-    </p:tnLst>
-  </p:timing>
 </p:sld>
 </file>
 
@@ -7506,7 +7467,7 @@
           <a:p>
             <a:pPr algn="ctr" eaLnBrk="1" hangingPunct="1"/>
             <a:r>
-              <a:rPr lang="en-US" altLang="ko-KR" sz="3000" dirty="0" smtClean="0">
+              <a:rPr lang="en-US" altLang="ko-KR" sz="3000" dirty="0">
                 <a:solidFill>
                   <a:schemeClr val="tx1"/>
                 </a:solidFill>
@@ -7702,40 +7663,6 @@
               <a:defRPr/>
             </a:pPr>
             <a:r>
-              <a:rPr lang="en-US" altLang="ko-KR" sz="2000" b="1" dirty="0" smtClean="0">
-                <a:latin typeface="Calibri" panose="020F0502020204030204" pitchFamily="34" charset="0"/>
-                <a:cs typeface="Calibri" panose="020F0502020204030204" pitchFamily="34" charset="0"/>
-              </a:rPr>
-              <a:t>Data augmentation </a:t>
-            </a:r>
-            <a:r>
-              <a:rPr lang="en-US" altLang="ko-KR" sz="2000" dirty="0" smtClean="0">
-                <a:latin typeface="Calibri" panose="020F0502020204030204" pitchFamily="34" charset="0"/>
-                <a:cs typeface="Calibri" panose="020F0502020204030204" pitchFamily="34" charset="0"/>
-              </a:rPr>
-              <a:t>is a strategy used to increase the amount of data by using techniques like cropping, padding, flipping, etc.</a:t>
-            </a:r>
-          </a:p>
-          <a:p>
-            <a:pPr>
-              <a:lnSpc>
-                <a:spcPct val="90000"/>
-              </a:lnSpc>
-              <a:defRPr/>
-            </a:pPr>
-            <a:endParaRPr lang="en-US" altLang="ko-KR" sz="2000" dirty="0">
-              <a:latin typeface="Calibri" panose="020F0502020204030204" pitchFamily="34" charset="0"/>
-              <a:cs typeface="Calibri" panose="020F0502020204030204" pitchFamily="34" charset="0"/>
-            </a:endParaRPr>
-          </a:p>
-          <a:p>
-            <a:pPr>
-              <a:lnSpc>
-                <a:spcPct val="90000"/>
-              </a:lnSpc>
-              <a:defRPr/>
-            </a:pPr>
-            <a:r>
               <a:rPr lang="en-US" altLang="ko-KR" sz="2000" b="1" dirty="0">
                 <a:latin typeface="Calibri" panose="020F0502020204030204" pitchFamily="34" charset="0"/>
                 <a:cs typeface="Calibri" panose="020F0502020204030204" pitchFamily="34" charset="0"/>
@@ -7747,14 +7674,7 @@
                 <a:latin typeface="Calibri" panose="020F0502020204030204" pitchFamily="34" charset="0"/>
                 <a:cs typeface="Calibri" panose="020F0502020204030204" pitchFamily="34" charset="0"/>
               </a:rPr>
-              <a:t>makes the model more robust to slight variations, and hence prevents the model from overfitting</a:t>
-            </a:r>
-            <a:r>
-              <a:rPr lang="en-US" altLang="ko-KR" sz="2000" dirty="0" smtClean="0">
-                <a:latin typeface="Calibri" panose="020F0502020204030204" pitchFamily="34" charset="0"/>
-                <a:cs typeface="Calibri" panose="020F0502020204030204" pitchFamily="34" charset="0"/>
-              </a:rPr>
-              <a:t>.</a:t>
+              <a:t>is a strategy used to increase the amount of data by using techniques like cropping, padding, flipping, etc.</a:t>
             </a:r>
           </a:p>
           <a:p>
@@ -7777,7 +7697,41 @@
               <a:defRPr/>
             </a:pPr>
             <a:r>
-              <a:rPr lang="en-US" altLang="ko-KR" sz="2000" dirty="0" smtClean="0">
+              <a:rPr lang="en-US" altLang="ko-KR" sz="2000" b="1" dirty="0">
+                <a:latin typeface="Calibri" panose="020F0502020204030204" pitchFamily="34" charset="0"/>
+                <a:cs typeface="Calibri" panose="020F0502020204030204" pitchFamily="34" charset="0"/>
+              </a:rPr>
+              <a:t>Data augmentation </a:t>
+            </a:r>
+            <a:r>
+              <a:rPr lang="en-US" altLang="ko-KR" sz="2000" dirty="0">
+                <a:latin typeface="Calibri" panose="020F0502020204030204" pitchFamily="34" charset="0"/>
+                <a:cs typeface="Calibri" panose="020F0502020204030204" pitchFamily="34" charset="0"/>
+              </a:rPr>
+              <a:t>makes the model more robust to slight variations, and hence prevents the model from overfitting.</a:t>
+            </a:r>
+          </a:p>
+          <a:p>
+            <a:pPr>
+              <a:lnSpc>
+                <a:spcPct val="90000"/>
+              </a:lnSpc>
+              <a:defRPr/>
+            </a:pPr>
+            <a:endParaRPr lang="en-US" altLang="ko-KR" sz="2000" dirty="0">
+              <a:latin typeface="Calibri" panose="020F0502020204030204" pitchFamily="34" charset="0"/>
+              <a:cs typeface="Calibri" panose="020F0502020204030204" pitchFamily="34" charset="0"/>
+            </a:endParaRPr>
+          </a:p>
+          <a:p>
+            <a:pPr>
+              <a:lnSpc>
+                <a:spcPct val="90000"/>
+              </a:lnSpc>
+              <a:defRPr/>
+            </a:pPr>
+            <a:r>
+              <a:rPr lang="en-US" altLang="ko-KR" sz="2000" dirty="0">
                 <a:latin typeface="Calibri" panose="020F0502020204030204" pitchFamily="34" charset="0"/>
                 <a:cs typeface="Calibri" panose="020F0502020204030204" pitchFamily="34" charset="0"/>
               </a:rPr>
@@ -7788,17 +7742,10 @@
                 <a:latin typeface="Calibri" panose="020F0502020204030204" pitchFamily="34" charset="0"/>
                 <a:cs typeface="Calibri" panose="020F0502020204030204" pitchFamily="34" charset="0"/>
               </a:rPr>
-              <a:t>K</a:t>
-            </a:r>
-            <a:r>
-              <a:rPr lang="en-US" altLang="ko-KR" sz="2000" dirty="0" err="1" smtClean="0">
-                <a:latin typeface="Calibri" panose="020F0502020204030204" pitchFamily="34" charset="0"/>
-                <a:cs typeface="Calibri" panose="020F0502020204030204" pitchFamily="34" charset="0"/>
-              </a:rPr>
-              <a:t>eras</a:t>
-            </a:r>
-            <a:r>
-              <a:rPr lang="en-US" altLang="ko-KR" sz="2000" dirty="0" smtClean="0">
+              <a:t>Keras</a:t>
+            </a:r>
+            <a:r>
+              <a:rPr lang="en-US" altLang="ko-KR" sz="2000" dirty="0">
                 <a:latin typeface="Calibri" panose="020F0502020204030204" pitchFamily="34" charset="0"/>
                 <a:cs typeface="Calibri" panose="020F0502020204030204" pitchFamily="34" charset="0"/>
               </a:rPr>
@@ -7838,21 +7785,21 @@
               <a:defRPr/>
             </a:pPr>
             <a:r>
-              <a:rPr lang="en-US" altLang="ko-KR" sz="2000" dirty="0" smtClean="0">
+              <a:rPr lang="en-US" altLang="ko-KR" sz="2000" dirty="0">
                 <a:latin typeface="Calibri" panose="020F0502020204030204" pitchFamily="34" charset="0"/>
                 <a:cs typeface="Calibri" panose="020F0502020204030204" pitchFamily="34" charset="0"/>
               </a:rPr>
               <a:t>import a module of “</a:t>
             </a:r>
             <a:r>
-              <a:rPr lang="en-US" altLang="ko-KR" sz="2000" dirty="0" err="1" smtClean="0">
+              <a:rPr lang="en-US" altLang="ko-KR" sz="2000" dirty="0" err="1">
                 <a:latin typeface="Calibri" panose="020F0502020204030204" pitchFamily="34" charset="0"/>
                 <a:cs typeface="Calibri" panose="020F0502020204030204" pitchFamily="34" charset="0"/>
               </a:rPr>
               <a:t>keras.preprocessing.image</a:t>
             </a:r>
             <a:r>
-              <a:rPr lang="en-US" altLang="ko-KR" sz="2000" dirty="0" smtClean="0">
+              <a:rPr lang="en-US" altLang="ko-KR" sz="2000" dirty="0">
                 <a:latin typeface="Calibri" panose="020F0502020204030204" pitchFamily="34" charset="0"/>
                 <a:cs typeface="Calibri" panose="020F0502020204030204" pitchFamily="34" charset="0"/>
               </a:rPr>
@@ -7878,7 +7825,7 @@
               </a:lnSpc>
               <a:defRPr/>
             </a:pPr>
-            <a:endParaRPr lang="en-US" altLang="ko-KR" sz="2000" dirty="0" smtClean="0">
+            <a:endParaRPr lang="en-US" altLang="ko-KR" sz="2000" dirty="0">
               <a:latin typeface="Calibri" panose="020F0502020204030204" pitchFamily="34" charset="0"/>
               <a:cs typeface="Calibri" panose="020F0502020204030204" pitchFamily="34" charset="0"/>
             </a:endParaRPr>
@@ -7902,7 +7849,7 @@
               </a:lnSpc>
               <a:defRPr/>
             </a:pPr>
-            <a:endParaRPr lang="en-US" altLang="ko-KR" sz="2000" dirty="0" smtClean="0">
+            <a:endParaRPr lang="en-US" altLang="ko-KR" sz="2000" dirty="0">
               <a:latin typeface="Calibri" panose="020F0502020204030204" pitchFamily="34" charset="0"/>
               <a:cs typeface="Calibri" panose="020F0502020204030204" pitchFamily="34" charset="0"/>
             </a:endParaRPr>
@@ -7943,13 +7890,6 @@
   <p:clrMapOvr>
     <a:masterClrMapping/>
   </p:clrMapOvr>
-  <p:timing>
-    <p:tnLst>
-      <p:par>
-        <p:cTn id="1" dur="indefinite" restart="never" nodeType="tmRoot"/>
-      </p:par>
-    </p:tnLst>
-  </p:timing>
 </p:sld>
 </file>
 
@@ -7992,7 +7932,7 @@
           <a:p>
             <a:pPr algn="ctr" eaLnBrk="1" hangingPunct="1"/>
             <a:r>
-              <a:rPr lang="en-US" altLang="ko-KR" sz="3000" dirty="0" smtClean="0">
+              <a:rPr lang="en-US" altLang="ko-KR" sz="3000" dirty="0">
                 <a:solidFill>
                   <a:schemeClr val="tx1"/>
                 </a:solidFill>
@@ -8188,7 +8128,7 @@
               <a:defRPr/>
             </a:pPr>
             <a:r>
-              <a:rPr lang="en-US" altLang="ko-KR" sz="2000" dirty="0" smtClean="0">
+              <a:rPr lang="en-US" altLang="ko-KR" sz="2000" dirty="0">
                 <a:latin typeface="Calibri" panose="020F0502020204030204" pitchFamily="34" charset="0"/>
                 <a:cs typeface="Calibri" panose="020F0502020204030204" pitchFamily="34" charset="0"/>
               </a:rPr>
@@ -8203,7 +8143,7 @@
               <a:defRPr/>
             </a:pPr>
             <a:r>
-              <a:rPr lang="en-US" altLang="ko-KR" sz="2000" dirty="0" smtClean="0">
+              <a:rPr lang="en-US" altLang="ko-KR" sz="2000" dirty="0">
                 <a:latin typeface="Calibri" panose="020F0502020204030204" pitchFamily="34" charset="0"/>
                 <a:cs typeface="Calibri" panose="020F0502020204030204" pitchFamily="34" charset="0"/>
               </a:rPr>
@@ -8218,7 +8158,7 @@
               <a:defRPr/>
             </a:pPr>
             <a:r>
-              <a:rPr lang="en-US" altLang="ko-KR" sz="2000" dirty="0" smtClean="0">
+              <a:rPr lang="en-US" altLang="ko-KR" sz="2000" dirty="0">
                 <a:latin typeface="Calibri" panose="020F0502020204030204" pitchFamily="34" charset="0"/>
                 <a:cs typeface="Calibri" panose="020F0502020204030204" pitchFamily="34" charset="0"/>
               </a:rPr>
@@ -8233,7 +8173,7 @@
               <a:defRPr/>
             </a:pPr>
             <a:r>
-              <a:rPr lang="en-US" altLang="ko-KR" sz="2000" dirty="0" smtClean="0">
+              <a:rPr lang="en-US" altLang="ko-KR" sz="2000" dirty="0">
                 <a:latin typeface="Calibri" panose="020F0502020204030204" pitchFamily="34" charset="0"/>
                 <a:cs typeface="Calibri" panose="020F0502020204030204" pitchFamily="34" charset="0"/>
               </a:rPr>
@@ -8248,18 +8188,11 @@
               <a:defRPr/>
             </a:pPr>
             <a:r>
-              <a:rPr lang="en-US" altLang="ko-KR" sz="2000" dirty="0" smtClean="0">
-                <a:latin typeface="Calibri" panose="020F0502020204030204" pitchFamily="34" charset="0"/>
-                <a:cs typeface="Calibri" panose="020F0502020204030204" pitchFamily="34" charset="0"/>
-              </a:rPr>
-              <a:t>(3) width </a:t>
-            </a:r>
-            <a:r>
               <a:rPr lang="en-US" altLang="ko-KR" sz="2000" dirty="0">
                 <a:latin typeface="Calibri" panose="020F0502020204030204" pitchFamily="34" charset="0"/>
                 <a:cs typeface="Calibri" panose="020F0502020204030204" pitchFamily="34" charset="0"/>
               </a:rPr>
-              <a:t>and height shifting</a:t>
+              <a:t>(3) width and height shifting</a:t>
             </a:r>
           </a:p>
           <a:p>
@@ -8270,7 +8203,7 @@
               <a:defRPr/>
             </a:pPr>
             <a:r>
-              <a:rPr lang="en-US" altLang="ko-KR" sz="2000" dirty="0" smtClean="0">
+              <a:rPr lang="en-US" altLang="ko-KR" sz="2000" dirty="0">
                 <a:latin typeface="Calibri" panose="020F0502020204030204" pitchFamily="34" charset="0"/>
                 <a:cs typeface="Calibri" panose="020F0502020204030204" pitchFamily="34" charset="0"/>
               </a:rPr>
@@ -8312,13 +8245,6 @@
   <p:clrMapOvr>
     <a:masterClrMapping/>
   </p:clrMapOvr>
-  <p:timing>
-    <p:tnLst>
-      <p:par>
-        <p:cTn id="1" dur="indefinite" restart="never" nodeType="tmRoot"/>
-      </p:par>
-    </p:tnLst>
-  </p:timing>
 </p:sld>
 </file>
 
@@ -8458,14 +8384,11 @@
           <a:lstStyle/>
           <a:p>
             <a:r>
-              <a:rPr lang="en-US" sz="1600" dirty="0" smtClean="0">
+              <a:rPr lang="en-US" sz="1600" dirty="0">
                 <a:cs typeface="Arial" panose="020B0604020202020204" pitchFamily="34" charset="0"/>
               </a:rPr>
               <a:t>(1) shear</a:t>
             </a:r>
-            <a:endParaRPr lang="en-US" sz="1600" dirty="0">
-              <a:cs typeface="Arial" panose="020B0604020202020204" pitchFamily="34" charset="0"/>
-            </a:endParaRPr>
           </a:p>
         </p:txBody>
       </p:sp>
@@ -8492,14 +8415,11 @@
           <a:lstStyle/>
           <a:p>
             <a:r>
-              <a:rPr lang="en-US" sz="1600" dirty="0" smtClean="0">
+              <a:rPr lang="en-US" sz="1600" dirty="0">
                 <a:cs typeface="Arial" panose="020B0604020202020204" pitchFamily="34" charset="0"/>
               </a:rPr>
               <a:t>(2) Zoom</a:t>
             </a:r>
-            <a:endParaRPr lang="en-US" sz="1600" dirty="0">
-              <a:cs typeface="Arial" panose="020B0604020202020204" pitchFamily="34" charset="0"/>
-            </a:endParaRPr>
           </a:p>
         </p:txBody>
       </p:sp>
@@ -8534,13 +8454,7 @@
               <a:rPr lang="en-US" altLang="ko-KR" sz="1600" dirty="0">
                 <a:cs typeface="Arial" panose="020B0604020202020204" pitchFamily="34" charset="0"/>
               </a:rPr>
-              <a:t>(3) width </a:t>
-            </a:r>
-            <a:r>
-              <a:rPr lang="en-US" altLang="ko-KR" sz="1600" dirty="0" smtClean="0">
-                <a:cs typeface="Arial" panose="020B0604020202020204" pitchFamily="34" charset="0"/>
-              </a:rPr>
-              <a:t>&amp;</a:t>
+              <a:t>(3) width &amp;</a:t>
             </a:r>
           </a:p>
           <a:p>
@@ -8551,16 +8465,10 @@
               <a:defRPr/>
             </a:pPr>
             <a:r>
-              <a:rPr lang="en-US" altLang="ko-KR" sz="1600" dirty="0" smtClean="0">
-                <a:cs typeface="Arial" panose="020B0604020202020204" pitchFamily="34" charset="0"/>
-              </a:rPr>
-              <a:t>height </a:t>
-            </a:r>
-            <a:r>
               <a:rPr lang="en-US" altLang="ko-KR" sz="1600" dirty="0">
                 <a:cs typeface="Arial" panose="020B0604020202020204" pitchFamily="34" charset="0"/>
               </a:rPr>
-              <a:t>shifting</a:t>
+              <a:t>height shifting</a:t>
             </a:r>
           </a:p>
         </p:txBody>
@@ -8593,7 +8501,7 @@
               <a:defRPr/>
             </a:pPr>
             <a:r>
-              <a:rPr lang="en-US" altLang="ko-KR" sz="1600" dirty="0" smtClean="0">
+              <a:rPr lang="en-US" altLang="ko-KR" sz="1600" dirty="0">
                 <a:cs typeface="Arial" panose="020B0604020202020204" pitchFamily="34" charset="0"/>
               </a:rPr>
               <a:t>(4) horizontal &amp;</a:t>
@@ -8607,14 +8515,11 @@
               <a:defRPr/>
             </a:pPr>
             <a:r>
-              <a:rPr lang="en-US" altLang="ko-KR" sz="1600" dirty="0" smtClean="0">
+              <a:rPr lang="en-US" altLang="ko-KR" sz="1600" dirty="0">
                 <a:cs typeface="Arial" panose="020B0604020202020204" pitchFamily="34" charset="0"/>
               </a:rPr>
               <a:t>vertical flip</a:t>
             </a:r>
-            <a:endParaRPr lang="en-US" altLang="ko-KR" sz="1600" dirty="0">
-              <a:cs typeface="Arial" panose="020B0604020202020204" pitchFamily="34" charset="0"/>
-            </a:endParaRPr>
           </a:p>
         </p:txBody>
       </p:sp>
@@ -8912,14 +8817,6 @@
               </a:rPr>
               <a:t>Image Data Augmentation</a:t>
             </a:r>
-            <a:endParaRPr lang="en-US" altLang="ko-KR" sz="3000" dirty="0" smtClean="0">
-              <a:solidFill>
-                <a:schemeClr val="tx1"/>
-              </a:solidFill>
-              <a:latin typeface="Calibri" panose="020F0502020204030204" pitchFamily="34" charset="0"/>
-              <a:ea typeface="Dotum" pitchFamily="34" charset="-127"/>
-              <a:cs typeface="Calibri" panose="020F0502020204030204" pitchFamily="34" charset="0"/>
-            </a:endParaRPr>
           </a:p>
         </p:txBody>
       </p:sp>
@@ -9130,7 +9027,7 @@
               <a:defRPr/>
             </a:pPr>
             <a:r>
-              <a:rPr lang="en-US" altLang="ko-KR" sz="2000" dirty="0" smtClean="0">
+              <a:rPr lang="en-US" altLang="ko-KR" sz="2000" dirty="0">
                 <a:latin typeface="Calibri" panose="020F0502020204030204" pitchFamily="34" charset="0"/>
                 <a:cs typeface="Calibri" panose="020F0502020204030204" pitchFamily="34" charset="0"/>
               </a:rPr>
@@ -9149,13 +9046,6 @@
   <p:clrMapOvr>
     <a:masterClrMapping/>
   </p:clrMapOvr>
-  <p:timing>
-    <p:tnLst>
-      <p:par>
-        <p:cTn id="1" dur="indefinite" restart="never" nodeType="tmRoot"/>
-      </p:par>
-    </p:tnLst>
-  </p:timing>
 </p:sld>
 </file>
 
@@ -9198,7 +9088,7 @@
           <a:p>
             <a:pPr algn="ctr" eaLnBrk="1" hangingPunct="1"/>
             <a:r>
-              <a:rPr lang="en-US" altLang="ko-KR" sz="3000" dirty="0" smtClean="0">
+              <a:rPr lang="en-US" altLang="ko-KR" sz="3000" dirty="0">
                 <a:solidFill>
                   <a:schemeClr val="tx1"/>
                 </a:solidFill>
@@ -9394,7 +9284,7 @@
               <a:defRPr/>
             </a:pPr>
             <a:r>
-              <a:rPr lang="en-US" altLang="ko-KR" sz="2000" dirty="0" smtClean="0">
+              <a:rPr lang="en-US" altLang="ko-KR" sz="2000" dirty="0">
                 <a:latin typeface="Calibri" panose="020F0502020204030204" pitchFamily="34" charset="0"/>
                 <a:cs typeface="Calibri" panose="020F0502020204030204" pitchFamily="34" charset="0"/>
               </a:rPr>
@@ -9461,13 +9351,6 @@
   <p:clrMapOvr>
     <a:masterClrMapping/>
   </p:clrMapOvr>
-  <p:timing>
-    <p:tnLst>
-      <p:par>
-        <p:cTn id="1" dur="indefinite" restart="never" nodeType="tmRoot"/>
-      </p:par>
-    </p:tnLst>
-  </p:timing>
 </p:sld>
 </file>
 
@@ -9520,14 +9403,6 @@
               </a:rPr>
               <a:t>CNN with data augmentation</a:t>
             </a:r>
-            <a:endParaRPr lang="en-US" altLang="ko-KR" sz="3000" dirty="0" smtClean="0">
-              <a:solidFill>
-                <a:schemeClr val="tx1"/>
-              </a:solidFill>
-              <a:latin typeface="Calibri" panose="020F0502020204030204" pitchFamily="34" charset="0"/>
-              <a:ea typeface="Dotum" pitchFamily="34" charset="-127"/>
-              <a:cs typeface="Calibri" panose="020F0502020204030204" pitchFamily="34" charset="0"/>
-            </a:endParaRPr>
           </a:p>
         </p:txBody>
       </p:sp>
@@ -9714,21 +9589,21 @@
               <a:defRPr/>
             </a:pPr>
             <a:r>
-              <a:rPr lang="en-US" altLang="ko-KR" sz="2000" dirty="0" smtClean="0">
+              <a:rPr lang="en-US" altLang="ko-KR" sz="2000" dirty="0">
                 <a:latin typeface="Calibri" panose="020F0502020204030204" pitchFamily="34" charset="0"/>
                 <a:cs typeface="Calibri" panose="020F0502020204030204" pitchFamily="34" charset="0"/>
               </a:rPr>
               <a:t>To train, we use “</a:t>
             </a:r>
             <a:r>
-              <a:rPr lang="en-US" altLang="ko-KR" sz="2000" dirty="0" err="1" smtClean="0">
+              <a:rPr lang="en-US" altLang="ko-KR" sz="2000" dirty="0" err="1">
                 <a:latin typeface="Calibri" panose="020F0502020204030204" pitchFamily="34" charset="0"/>
                 <a:cs typeface="Calibri" panose="020F0502020204030204" pitchFamily="34" charset="0"/>
               </a:rPr>
               <a:t>fit_generator</a:t>
             </a:r>
             <a:r>
-              <a:rPr lang="en-US" altLang="ko-KR" sz="2000" dirty="0" smtClean="0">
+              <a:rPr lang="en-US" altLang="ko-KR" sz="2000" dirty="0">
                 <a:latin typeface="Calibri" panose="020F0502020204030204" pitchFamily="34" charset="0"/>
                 <a:cs typeface="Calibri" panose="020F0502020204030204" pitchFamily="34" charset="0"/>
               </a:rPr>
@@ -9771,13 +9646,6 @@
   <p:clrMapOvr>
     <a:masterClrMapping/>
   </p:clrMapOvr>
-  <p:timing>
-    <p:tnLst>
-      <p:par>
-        <p:cTn id="1" dur="indefinite" restart="never" nodeType="tmRoot"/>
-      </p:par>
-    </p:tnLst>
-  </p:timing>
 </p:sld>
 </file>
 
@@ -9820,7 +9688,7 @@
           <a:p>
             <a:pPr algn="ctr" eaLnBrk="1" hangingPunct="1"/>
             <a:r>
-              <a:rPr lang="en-US" altLang="ko-KR" sz="3000" smtClean="0">
+              <a:rPr lang="en-US" altLang="ko-KR" sz="3000">
                 <a:solidFill>
                   <a:schemeClr val="tx1"/>
                 </a:solidFill>
@@ -9841,14 +9709,6 @@
               </a:rPr>
               <a:t>with data augmentation</a:t>
             </a:r>
-            <a:endParaRPr lang="en-US" altLang="ko-KR" sz="3000" dirty="0" smtClean="0">
-              <a:solidFill>
-                <a:schemeClr val="tx1"/>
-              </a:solidFill>
-              <a:latin typeface="Calibri" panose="020F0502020204030204" pitchFamily="34" charset="0"/>
-              <a:ea typeface="Dotum" pitchFamily="34" charset="-127"/>
-              <a:cs typeface="Calibri" panose="020F0502020204030204" pitchFamily="34" charset="0"/>
-            </a:endParaRPr>
           </a:p>
         </p:txBody>
       </p:sp>
@@ -10059,25 +9919,11 @@
               <a:defRPr/>
             </a:pPr>
             <a:r>
-              <a:rPr lang="en-US" altLang="ko-KR" sz="2000" dirty="0" smtClean="0">
-                <a:latin typeface="Calibri" panose="020F0502020204030204" pitchFamily="34" charset="0"/>
-                <a:cs typeface="Calibri" panose="020F0502020204030204" pitchFamily="34" charset="0"/>
-              </a:rPr>
-              <a:t>After training is over, load the model</a:t>
-            </a:r>
-            <a:r>
               <a:rPr lang="en-US" altLang="ko-KR" sz="2000" dirty="0">
                 <a:latin typeface="Calibri" panose="020F0502020204030204" pitchFamily="34" charset="0"/>
                 <a:cs typeface="Calibri" panose="020F0502020204030204" pitchFamily="34" charset="0"/>
               </a:rPr>
-              <a:t> </a:t>
-            </a:r>
-            <a:r>
-              <a:rPr lang="en-US" altLang="ko-KR" sz="2000" dirty="0" smtClean="0">
-                <a:latin typeface="Calibri" panose="020F0502020204030204" pitchFamily="34" charset="0"/>
-                <a:cs typeface="Calibri" panose="020F0502020204030204" pitchFamily="34" charset="0"/>
-              </a:rPr>
-              <a:t>with a highest validation accuracy.</a:t>
+              <a:t>After training is over, load the model with a highest validation accuracy.</a:t>
             </a:r>
           </a:p>
           <a:p>
@@ -10088,14 +9934,14 @@
               <a:defRPr/>
             </a:pPr>
             <a:r>
-              <a:rPr lang="en-US" altLang="ko-KR" sz="2000" dirty="0" smtClean="0">
+              <a:rPr lang="en-US" altLang="ko-KR" sz="2000" dirty="0">
                 <a:latin typeface="Calibri" panose="020F0502020204030204" pitchFamily="34" charset="0"/>
                 <a:cs typeface="Calibri" panose="020F0502020204030204" pitchFamily="34" charset="0"/>
               </a:rPr>
               <a:t>The model have the validation accuracy of </a:t>
             </a:r>
             <a:r>
-              <a:rPr lang="en-US" altLang="ko-KR" sz="2000" dirty="0" smtClean="0">
+              <a:rPr lang="en-US" altLang="ko-KR" sz="2000" dirty="0">
                 <a:solidFill>
                   <a:srgbClr val="FF0000"/>
                 </a:solidFill>
@@ -10124,7 +9970,7 @@
               </a:lnSpc>
               <a:defRPr/>
             </a:pPr>
-            <a:endParaRPr lang="en-US" altLang="ko-KR" sz="2000" dirty="0" smtClean="0">
+            <a:endParaRPr lang="en-US" altLang="ko-KR" sz="2000" dirty="0">
               <a:latin typeface="Calibri" panose="020F0502020204030204" pitchFamily="34" charset="0"/>
               <a:cs typeface="Calibri" panose="020F0502020204030204" pitchFamily="34" charset="0"/>
             </a:endParaRPr>
@@ -10148,7 +9994,7 @@
               </a:lnSpc>
               <a:defRPr/>
             </a:pPr>
-            <a:endParaRPr lang="en-US" altLang="ko-KR" sz="2000" dirty="0" smtClean="0">
+            <a:endParaRPr lang="en-US" altLang="ko-KR" sz="2000" dirty="0">
               <a:latin typeface="Calibri" panose="020F0502020204030204" pitchFamily="34" charset="0"/>
               <a:cs typeface="Calibri" panose="020F0502020204030204" pitchFamily="34" charset="0"/>
             </a:endParaRPr>
@@ -10161,7 +10007,7 @@
               <a:defRPr/>
             </a:pPr>
             <a:r>
-              <a:rPr lang="en-US" altLang="ko-KR" sz="2000" dirty="0" smtClean="0">
+              <a:rPr lang="en-US" altLang="ko-KR" sz="2000" dirty="0">
                 <a:latin typeface="Calibri" panose="020F0502020204030204" pitchFamily="34" charset="0"/>
                 <a:cs typeface="Calibri" panose="020F0502020204030204" pitchFamily="34" charset="0"/>
               </a:rPr>
@@ -10175,7 +10021,7 @@
               </a:lnSpc>
               <a:defRPr/>
             </a:pPr>
-            <a:endParaRPr lang="en-US" altLang="ko-KR" sz="2000" dirty="0" smtClean="0">
+            <a:endParaRPr lang="en-US" altLang="ko-KR" sz="2000" dirty="0">
               <a:latin typeface="Calibri" panose="020F0502020204030204" pitchFamily="34" charset="0"/>
               <a:cs typeface="Calibri" panose="020F0502020204030204" pitchFamily="34" charset="0"/>
             </a:endParaRPr>
@@ -10216,13 +10062,6 @@
   <p:clrMapOvr>
     <a:masterClrMapping/>
   </p:clrMapOvr>
-  <p:timing>
-    <p:tnLst>
-      <p:par>
-        <p:cTn id="1" dur="indefinite" restart="never" nodeType="tmRoot"/>
-      </p:par>
-    </p:tnLst>
-  </p:timing>
 </p:sld>
 </file>
 
@@ -10265,7 +10104,7 @@
           <a:p>
             <a:pPr algn="ctr" eaLnBrk="1" hangingPunct="1"/>
             <a:r>
-              <a:rPr lang="en-US" altLang="ko-KR" sz="3000" b="1" dirty="0" smtClean="0">
+              <a:rPr lang="en-US" altLang="ko-KR" sz="3000" b="1" dirty="0">
                 <a:solidFill>
                   <a:schemeClr val="tx1"/>
                 </a:solidFill>
@@ -10275,7 +10114,7 @@
               </a:rPr>
               <a:t>Garbage classification</a:t>
             </a:r>
-            <a:endParaRPr lang="en-US" altLang="ko-KR" sz="3000" dirty="0" smtClean="0">
+            <a:endParaRPr lang="en-US" altLang="ko-KR" sz="3000" dirty="0">
               <a:solidFill>
                 <a:schemeClr val="tx1"/>
               </a:solidFill>
@@ -10469,32 +10308,11 @@
               <a:defRPr/>
             </a:pPr>
             <a:r>
-              <a:rPr lang="en-US" altLang="ko-KR" sz="2000" dirty="0" smtClean="0">
+              <a:rPr lang="en-US" altLang="ko-KR" sz="2000" dirty="0">
                 <a:latin typeface="Calibri" panose="020F0502020204030204" pitchFamily="34" charset="0"/>
                 <a:cs typeface="Calibri" panose="020F0502020204030204" pitchFamily="34" charset="0"/>
               </a:rPr>
-              <a:t>In </a:t>
-            </a:r>
-            <a:r>
-              <a:rPr lang="en-US" altLang="ko-KR" sz="2000" dirty="0" smtClean="0">
-                <a:latin typeface="Calibri" panose="020F0502020204030204" pitchFamily="34" charset="0"/>
-                <a:cs typeface="Calibri" panose="020F0502020204030204" pitchFamily="34" charset="0"/>
-              </a:rPr>
-              <a:t>Problem Set #1 part(d)</a:t>
-            </a:r>
-            <a:r>
-              <a:rPr lang="en-US" altLang="ko-KR" sz="2000" dirty="0" smtClean="0">
-                <a:latin typeface="Calibri" panose="020F0502020204030204" pitchFamily="34" charset="0"/>
-                <a:cs typeface="Calibri" panose="020F0502020204030204" pitchFamily="34" charset="0"/>
-              </a:rPr>
-              <a:t>, </a:t>
-            </a:r>
-            <a:r>
-              <a:rPr lang="en-US" altLang="ko-KR" sz="2000" dirty="0" smtClean="0">
-                <a:latin typeface="Calibri" panose="020F0502020204030204" pitchFamily="34" charset="0"/>
-                <a:cs typeface="Calibri" panose="020F0502020204030204" pitchFamily="34" charset="0"/>
-              </a:rPr>
-              <a:t>we solved the problem of Garbage Classification using SGD and ANN with simple dense layers.</a:t>
+              <a:t>In Problem Set #1, we solved the problem of Garbage Classification using SGD and ANN with simple dense layers.</a:t>
             </a:r>
           </a:p>
           <a:p>
@@ -10505,7 +10323,7 @@
               <a:defRPr/>
             </a:pPr>
             <a:r>
-              <a:rPr lang="en-US" altLang="ko-KR" sz="2000" dirty="0" smtClean="0">
+              <a:rPr lang="en-US" altLang="ko-KR" sz="2000" dirty="0">
                 <a:latin typeface="Calibri" panose="020F0502020204030204" pitchFamily="34" charset="0"/>
                 <a:cs typeface="Calibri" panose="020F0502020204030204" pitchFamily="34" charset="0"/>
               </a:rPr>
@@ -10532,35 +10350,35 @@
               <a:defRPr/>
             </a:pPr>
             <a:r>
-              <a:rPr lang="en-US" altLang="ko-KR" sz="2000" dirty="0" smtClean="0">
+              <a:rPr lang="en-US" altLang="ko-KR" sz="2000" dirty="0">
                 <a:latin typeface="Calibri" panose="020F0502020204030204" pitchFamily="34" charset="0"/>
                 <a:cs typeface="Calibri" panose="020F0502020204030204" pitchFamily="34" charset="0"/>
               </a:rPr>
               <a:t>Here, we discuss about </a:t>
             </a:r>
             <a:r>
-              <a:rPr lang="en-US" altLang="ko-KR" sz="2000" b="1" dirty="0" smtClean="0">
+              <a:rPr lang="en-US" altLang="ko-KR" sz="2000" b="1" dirty="0">
                 <a:latin typeface="Calibri" panose="020F0502020204030204" pitchFamily="34" charset="0"/>
                 <a:cs typeface="Calibri" panose="020F0502020204030204" pitchFamily="34" charset="0"/>
               </a:rPr>
               <a:t>Convolution Neural Network(CNN) </a:t>
             </a:r>
             <a:r>
-              <a:rPr lang="en-US" altLang="ko-KR" sz="2000" dirty="0" smtClean="0">
+              <a:rPr lang="en-US" altLang="ko-KR" sz="2000" dirty="0">
                 <a:latin typeface="Calibri" panose="020F0502020204030204" pitchFamily="34" charset="0"/>
                 <a:cs typeface="Calibri" panose="020F0502020204030204" pitchFamily="34" charset="0"/>
               </a:rPr>
               <a:t>and  </a:t>
             </a:r>
             <a:r>
-              <a:rPr lang="en-US" altLang="ko-KR" sz="2000" b="1" dirty="0" smtClean="0">
+              <a:rPr lang="en-US" altLang="ko-KR" sz="2000" b="1" dirty="0">
                 <a:latin typeface="Calibri" panose="020F0502020204030204" pitchFamily="34" charset="0"/>
                 <a:cs typeface="Calibri" panose="020F0502020204030204" pitchFamily="34" charset="0"/>
               </a:rPr>
               <a:t>Image augmentation</a:t>
             </a:r>
             <a:r>
-              <a:rPr lang="en-US" altLang="ko-KR" sz="2000" dirty="0" smtClean="0">
+              <a:rPr lang="en-US" altLang="ko-KR" sz="2000" dirty="0">
                 <a:latin typeface="Calibri" panose="020F0502020204030204" pitchFamily="34" charset="0"/>
                 <a:cs typeface="Calibri" panose="020F0502020204030204" pitchFamily="34" charset="0"/>
               </a:rPr>
@@ -10574,7 +10392,7 @@
               </a:lnSpc>
               <a:defRPr/>
             </a:pPr>
-            <a:endParaRPr lang="en-US" altLang="ko-KR" sz="2000" dirty="0" smtClean="0">
+            <a:endParaRPr lang="en-US" altLang="ko-KR" sz="2000" dirty="0">
               <a:latin typeface="Calibri" panose="020F0502020204030204" pitchFamily="34" charset="0"/>
               <a:cs typeface="Calibri" panose="020F0502020204030204" pitchFamily="34" charset="0"/>
             </a:endParaRPr>
@@ -10591,13 +10409,6 @@
   <p:clrMapOvr>
     <a:masterClrMapping/>
   </p:clrMapOvr>
-  <p:timing>
-    <p:tnLst>
-      <p:par>
-        <p:cTn id="1" dur="indefinite" restart="never" nodeType="tmRoot"/>
-      </p:par>
-    </p:tnLst>
-  </p:timing>
 </p:sld>
 </file>
 
@@ -10640,7 +10451,7 @@
           <a:p>
             <a:pPr algn="ctr" eaLnBrk="1" hangingPunct="1"/>
             <a:r>
-              <a:rPr lang="en-US" altLang="ko-KR" sz="3000" b="1" dirty="0" smtClean="0">
+              <a:rPr lang="en-US" altLang="ko-KR" sz="3000" b="1" dirty="0">
                 <a:solidFill>
                   <a:schemeClr val="tx1"/>
                 </a:solidFill>
@@ -10650,7 +10461,7 @@
               </a:rPr>
               <a:t>Convolution Neural Network (CNN)</a:t>
             </a:r>
-            <a:endParaRPr lang="en-US" altLang="ko-KR" sz="3000" dirty="0" smtClean="0">
+            <a:endParaRPr lang="en-US" altLang="ko-KR" sz="3000" dirty="0">
               <a:solidFill>
                 <a:schemeClr val="tx1"/>
               </a:solidFill>
@@ -10844,21 +10655,21 @@
               <a:defRPr/>
             </a:pPr>
             <a:r>
-              <a:rPr lang="en-US" altLang="ko-KR" sz="2000" b="1" dirty="0" smtClean="0">
+              <a:rPr lang="en-US" altLang="ko-KR" sz="2000" b="1" dirty="0">
                 <a:latin typeface="Calibri" panose="020F0502020204030204" pitchFamily="34" charset="0"/>
                 <a:cs typeface="Calibri" panose="020F0502020204030204" pitchFamily="34" charset="0"/>
               </a:rPr>
               <a:t>CNN</a:t>
             </a:r>
             <a:r>
-              <a:rPr lang="en-US" altLang="ko-KR" sz="2000" dirty="0" smtClean="0">
+              <a:rPr lang="en-US" altLang="ko-KR" sz="2000" dirty="0">
                 <a:latin typeface="Calibri" panose="020F0502020204030204" pitchFamily="34" charset="0"/>
                 <a:cs typeface="Calibri" panose="020F0502020204030204" pitchFamily="34" charset="0"/>
               </a:rPr>
               <a:t> is composed of three types of layers </a:t>
             </a:r>
             <a:r>
-              <a:rPr lang="en-US" altLang="ko-KR" sz="2000" dirty="0" smtClean="0">
+              <a:rPr lang="en-US" altLang="ko-KR" sz="2000" dirty="0">
                 <a:solidFill>
                   <a:srgbClr val="3281FF"/>
                 </a:solidFill>
@@ -10868,14 +10679,14 @@
               <a:t>: Convolution layers</a:t>
             </a:r>
             <a:r>
-              <a:rPr lang="en-US" altLang="ko-KR" sz="2000" dirty="0" smtClean="0">
+              <a:rPr lang="en-US" altLang="ko-KR" sz="2000" dirty="0">
                 <a:latin typeface="Calibri" panose="020F0502020204030204" pitchFamily="34" charset="0"/>
                 <a:cs typeface="Calibri" panose="020F0502020204030204" pitchFamily="34" charset="0"/>
               </a:rPr>
               <a:t>, </a:t>
             </a:r>
             <a:r>
-              <a:rPr lang="en-US" altLang="ko-KR" sz="2000" dirty="0" smtClean="0">
+              <a:rPr lang="en-US" altLang="ko-KR" sz="2000" dirty="0">
                 <a:solidFill>
                   <a:srgbClr val="FF0000"/>
                 </a:solidFill>
@@ -10885,14 +10696,14 @@
               <a:t>Pooling layers</a:t>
             </a:r>
             <a:r>
-              <a:rPr lang="en-US" altLang="ko-KR" sz="2000" dirty="0" smtClean="0">
+              <a:rPr lang="en-US" altLang="ko-KR" sz="2000" dirty="0">
                 <a:latin typeface="Calibri" panose="020F0502020204030204" pitchFamily="34" charset="0"/>
                 <a:cs typeface="Calibri" panose="020F0502020204030204" pitchFamily="34" charset="0"/>
               </a:rPr>
               <a:t>, and </a:t>
             </a:r>
             <a:r>
-              <a:rPr lang="en-US" altLang="ko-KR" sz="2000" dirty="0" smtClean="0">
+              <a:rPr lang="en-US" altLang="ko-KR" sz="2000" dirty="0">
                 <a:solidFill>
                   <a:srgbClr val="5B9D5E"/>
                 </a:solidFill>
@@ -10902,7 +10713,7 @@
               <a:t>dense layers</a:t>
             </a:r>
             <a:r>
-              <a:rPr lang="en-US" altLang="ko-KR" sz="2000" dirty="0" smtClean="0">
+              <a:rPr lang="en-US" altLang="ko-KR" sz="2000" dirty="0">
                 <a:latin typeface="Calibri" panose="020F0502020204030204" pitchFamily="34" charset="0"/>
                 <a:cs typeface="Calibri" panose="020F0502020204030204" pitchFamily="34" charset="0"/>
               </a:rPr>
@@ -10917,14 +10728,14 @@
               <a:defRPr/>
             </a:pPr>
             <a:r>
-              <a:rPr lang="en-US" altLang="ko-KR" sz="2000" dirty="0" smtClean="0">
+              <a:rPr lang="en-US" altLang="ko-KR" sz="2000" dirty="0">
                 <a:latin typeface="Calibri" panose="020F0502020204030204" pitchFamily="34" charset="0"/>
                 <a:cs typeface="Calibri" panose="020F0502020204030204" pitchFamily="34" charset="0"/>
               </a:rPr>
               <a:t>The </a:t>
             </a:r>
             <a:r>
-              <a:rPr lang="en-US" altLang="ko-KR" sz="2000" dirty="0" smtClean="0">
+              <a:rPr lang="en-US" altLang="ko-KR" sz="2000" dirty="0">
                 <a:solidFill>
                   <a:srgbClr val="3281FF"/>
                 </a:solidFill>
@@ -10934,14 +10745,14 @@
               <a:t>convolution layers </a:t>
             </a:r>
             <a:r>
-              <a:rPr lang="en-US" altLang="ko-KR" sz="2000" dirty="0" smtClean="0">
+              <a:rPr lang="en-US" altLang="ko-KR" sz="2000" dirty="0">
                 <a:latin typeface="Calibri" panose="020F0502020204030204" pitchFamily="34" charset="0"/>
                 <a:cs typeface="Calibri" panose="020F0502020204030204" pitchFamily="34" charset="0"/>
               </a:rPr>
               <a:t>and </a:t>
             </a:r>
             <a:r>
-              <a:rPr lang="en-US" altLang="ko-KR" sz="2000" dirty="0" smtClean="0">
+              <a:rPr lang="en-US" altLang="ko-KR" sz="2000" dirty="0">
                 <a:solidFill>
                   <a:srgbClr val="FF0000"/>
                 </a:solidFill>
@@ -10951,7 +10762,7 @@
               <a:t>pooling layers</a:t>
             </a:r>
             <a:r>
-              <a:rPr lang="en-US" altLang="ko-KR" sz="2000" dirty="0" smtClean="0">
+              <a:rPr lang="en-US" altLang="ko-KR" sz="2000" dirty="0">
                 <a:latin typeface="Calibri" panose="020F0502020204030204" pitchFamily="34" charset="0"/>
                 <a:cs typeface="Calibri" panose="020F0502020204030204" pitchFamily="34" charset="0"/>
               </a:rPr>
@@ -10966,14 +10777,14 @@
               <a:defRPr/>
             </a:pPr>
             <a:r>
-              <a:rPr lang="en-US" altLang="ko-KR" sz="2000" dirty="0" smtClean="0">
+              <a:rPr lang="en-US" altLang="ko-KR" sz="2000" dirty="0">
                 <a:latin typeface="Calibri" panose="020F0502020204030204" pitchFamily="34" charset="0"/>
                 <a:cs typeface="Calibri" panose="020F0502020204030204" pitchFamily="34" charset="0"/>
               </a:rPr>
               <a:t>Then, </a:t>
             </a:r>
             <a:r>
-              <a:rPr lang="en-US" altLang="ko-KR" sz="2000" dirty="0" smtClean="0">
+              <a:rPr lang="en-US" altLang="ko-KR" sz="2000" dirty="0">
                 <a:solidFill>
                   <a:srgbClr val="5B9D5E"/>
                 </a:solidFill>
@@ -10983,7 +10794,7 @@
               <a:t>dense layers </a:t>
             </a:r>
             <a:r>
-              <a:rPr lang="en-US" altLang="ko-KR" sz="2000" dirty="0" smtClean="0">
+              <a:rPr lang="en-US" altLang="ko-KR" sz="2000" dirty="0">
                 <a:latin typeface="Calibri" panose="020F0502020204030204" pitchFamily="34" charset="0"/>
                 <a:cs typeface="Calibri" panose="020F0502020204030204" pitchFamily="34" charset="0"/>
               </a:rPr>
@@ -10997,7 +10808,7 @@
               </a:lnSpc>
               <a:defRPr/>
             </a:pPr>
-            <a:endParaRPr lang="en-US" altLang="ko-KR" sz="2000" dirty="0" smtClean="0">
+            <a:endParaRPr lang="en-US" altLang="ko-KR" sz="2000" dirty="0">
               <a:latin typeface="Calibri" panose="020F0502020204030204" pitchFamily="34" charset="0"/>
               <a:cs typeface="Calibri" panose="020F0502020204030204" pitchFamily="34" charset="0"/>
             </a:endParaRPr>
@@ -11055,13 +10866,6 @@
   <p:clrMapOvr>
     <a:masterClrMapping/>
   </p:clrMapOvr>
-  <p:timing>
-    <p:tnLst>
-      <p:par>
-        <p:cTn id="1" dur="indefinite" restart="never" nodeType="tmRoot"/>
-      </p:par>
-    </p:tnLst>
-  </p:timing>
 </p:sld>
 </file>
 
@@ -11104,7 +10908,7 @@
           <a:p>
             <a:pPr algn="ctr" eaLnBrk="1" hangingPunct="1"/>
             <a:r>
-              <a:rPr lang="en-US" altLang="ko-KR" sz="3000" dirty="0" smtClean="0">
+              <a:rPr lang="en-US" altLang="ko-KR" sz="3000" dirty="0">
                 <a:solidFill>
                   <a:schemeClr val="tx1"/>
                 </a:solidFill>
@@ -11300,21 +11104,21 @@
               <a:defRPr/>
             </a:pPr>
             <a:r>
-              <a:rPr lang="en-US" altLang="ko-KR" sz="2000" b="1" dirty="0" smtClean="0">
+              <a:rPr lang="en-US" altLang="ko-KR" sz="2000" b="1" dirty="0">
                 <a:latin typeface="Calibri" panose="020F0502020204030204" pitchFamily="34" charset="0"/>
                 <a:cs typeface="Calibri" panose="020F0502020204030204" pitchFamily="34" charset="0"/>
               </a:rPr>
               <a:t>Convolution</a:t>
             </a:r>
             <a:r>
-              <a:rPr lang="en-US" altLang="ko-KR" sz="2000" dirty="0" smtClean="0">
+              <a:rPr lang="en-US" altLang="ko-KR" sz="2000" dirty="0">
                 <a:latin typeface="Calibri" panose="020F0502020204030204" pitchFamily="34" charset="0"/>
                 <a:cs typeface="Calibri" panose="020F0502020204030204" pitchFamily="34" charset="0"/>
               </a:rPr>
               <a:t> means linear operation used for feature extraction, where a small array of numbers, called a </a:t>
             </a:r>
             <a:r>
-              <a:rPr lang="en-US" altLang="ko-KR" sz="2000" dirty="0" smtClean="0">
+              <a:rPr lang="en-US" altLang="ko-KR" sz="2000" dirty="0">
                 <a:solidFill>
                   <a:srgbClr val="FF0000"/>
                 </a:solidFill>
@@ -11324,7 +11128,7 @@
               <a:t>kernel</a:t>
             </a:r>
             <a:r>
-              <a:rPr lang="en-US" altLang="ko-KR" sz="2000" dirty="0" smtClean="0">
+              <a:rPr lang="en-US" altLang="ko-KR" sz="2000" dirty="0">
                 <a:latin typeface="Calibri" panose="020F0502020204030204" pitchFamily="34" charset="0"/>
                 <a:cs typeface="Calibri" panose="020F0502020204030204" pitchFamily="34" charset="0"/>
               </a:rPr>
@@ -11339,7 +11143,7 @@
               <a:defRPr/>
             </a:pPr>
             <a:r>
-              <a:rPr lang="en-US" altLang="ko-KR" sz="2000" dirty="0" smtClean="0">
+              <a:rPr lang="en-US" altLang="ko-KR" sz="2000" dirty="0">
                 <a:latin typeface="Calibri" panose="020F0502020204030204" pitchFamily="34" charset="0"/>
                 <a:cs typeface="Calibri" panose="020F0502020204030204" pitchFamily="34" charset="0"/>
               </a:rPr>
@@ -11367,21 +11171,21 @@
               <a:defRPr/>
             </a:pPr>
             <a:r>
-              <a:rPr lang="en-US" altLang="ko-KR" sz="1800" dirty="0" smtClean="0">
+              <a:rPr lang="en-US" altLang="ko-KR" sz="1800" dirty="0">
                 <a:latin typeface="Calibri" panose="020F0502020204030204" pitchFamily="34" charset="0"/>
                 <a:cs typeface="Calibri" panose="020F0502020204030204" pitchFamily="34" charset="0"/>
               </a:rPr>
               <a:t>1. </a:t>
             </a:r>
             <a:r>
-              <a:rPr lang="en-US" altLang="ko-KR" sz="1800" b="1" dirty="0" smtClean="0">
+              <a:rPr lang="en-US" altLang="ko-KR" sz="1800" b="1" dirty="0">
                 <a:latin typeface="Calibri" panose="020F0502020204030204" pitchFamily="34" charset="0"/>
                 <a:cs typeface="Calibri" panose="020F0502020204030204" pitchFamily="34" charset="0"/>
               </a:rPr>
               <a:t>Kernel size </a:t>
             </a:r>
             <a:r>
-              <a:rPr lang="en-US" altLang="ko-KR" sz="1800" dirty="0" smtClean="0">
+              <a:rPr lang="en-US" altLang="ko-KR" sz="1800" dirty="0">
                 <a:latin typeface="Calibri" panose="020F0502020204030204" pitchFamily="34" charset="0"/>
                 <a:cs typeface="Calibri" panose="020F0502020204030204" pitchFamily="34" charset="0"/>
               </a:rPr>
@@ -11409,21 +11213,21 @@
               <a:defRPr/>
             </a:pPr>
             <a:r>
-              <a:rPr lang="en-US" altLang="ko-KR" sz="1800" dirty="0" smtClean="0">
+              <a:rPr lang="en-US" altLang="ko-KR" sz="1800" dirty="0">
                 <a:latin typeface="Calibri" panose="020F0502020204030204" pitchFamily="34" charset="0"/>
                 <a:cs typeface="Calibri" panose="020F0502020204030204" pitchFamily="34" charset="0"/>
               </a:rPr>
               <a:t>2. </a:t>
             </a:r>
             <a:r>
-              <a:rPr lang="en-US" altLang="ko-KR" sz="1800" b="1" dirty="0" smtClean="0">
+              <a:rPr lang="en-US" altLang="ko-KR" sz="1800" b="1" dirty="0">
                 <a:latin typeface="Calibri" panose="020F0502020204030204" pitchFamily="34" charset="0"/>
                 <a:cs typeface="Calibri" panose="020F0502020204030204" pitchFamily="34" charset="0"/>
               </a:rPr>
               <a:t>Stride</a:t>
             </a:r>
             <a:r>
-              <a:rPr lang="en-US" altLang="ko-KR" sz="1800" dirty="0" smtClean="0">
+              <a:rPr lang="en-US" altLang="ko-KR" sz="1800" dirty="0">
                 <a:latin typeface="Calibri" panose="020F0502020204030204" pitchFamily="34" charset="0"/>
                 <a:cs typeface="Calibri" panose="020F0502020204030204" pitchFamily="34" charset="0"/>
               </a:rPr>
@@ -11483,13 +11287,6 @@
   <p:clrMapOvr>
     <a:masterClrMapping/>
   </p:clrMapOvr>
-  <p:timing>
-    <p:tnLst>
-      <p:par>
-        <p:cTn id="1" dur="indefinite" restart="never" nodeType="tmRoot"/>
-      </p:par>
-    </p:tnLst>
-  </p:timing>
 </p:sld>
 </file>
 
@@ -11540,18 +11337,7 @@
                 <a:ea typeface="Dotum" pitchFamily="34" charset="-127"/>
                 <a:cs typeface="Calibri" panose="020F0502020204030204" pitchFamily="34" charset="0"/>
               </a:rPr>
-              <a:t>Convolution layer </a:t>
-            </a:r>
-            <a:r>
-              <a:rPr lang="en-US" altLang="ko-KR" sz="3000" dirty="0" smtClean="0">
-                <a:solidFill>
-                  <a:schemeClr val="tx1"/>
-                </a:solidFill>
-                <a:latin typeface="Calibri" panose="020F0502020204030204" pitchFamily="34" charset="0"/>
-                <a:ea typeface="Dotum" pitchFamily="34" charset="-127"/>
-                <a:cs typeface="Calibri" panose="020F0502020204030204" pitchFamily="34" charset="0"/>
-              </a:rPr>
-              <a:t>(2)</a:t>
+              <a:t>Convolution layer (2)</a:t>
             </a:r>
           </a:p>
         </p:txBody>
@@ -11625,7 +11411,7 @@
               <a:defRPr/>
             </a:pPr>
             <a:r>
-              <a:rPr lang="en-US" altLang="ko-KR" sz="1800" dirty="0" smtClean="0">
+              <a:rPr lang="en-US" altLang="ko-KR" sz="1800" dirty="0">
                 <a:solidFill>
                   <a:prstClr val="black"/>
                 </a:solidFill>
@@ -11636,7 +11422,7 @@
               <a:t>3. </a:t>
             </a:r>
             <a:r>
-              <a:rPr lang="en-US" altLang="ko-KR" sz="1800" b="1" dirty="0" smtClean="0">
+              <a:rPr lang="en-US" altLang="ko-KR" sz="1800" b="1" dirty="0">
                 <a:solidFill>
                   <a:prstClr val="black"/>
                 </a:solidFill>
@@ -11647,7 +11433,7 @@
               <a:t>Padding</a:t>
             </a:r>
             <a:r>
-              <a:rPr lang="en-US" altLang="ko-KR" sz="1800" dirty="0" smtClean="0">
+              <a:rPr lang="en-US" altLang="ko-KR" sz="1800" dirty="0">
                 <a:solidFill>
                   <a:prstClr val="black"/>
                 </a:solidFill>
@@ -11699,7 +11485,7 @@
               <a:buChar char=""/>
               <a:defRPr/>
             </a:pPr>
-            <a:endParaRPr lang="en-US" altLang="ko-KR" sz="1800" dirty="0" smtClean="0">
+            <a:endParaRPr lang="en-US" altLang="ko-KR" sz="1800" dirty="0">
               <a:solidFill>
                 <a:prstClr val="black"/>
               </a:solidFill>
@@ -11724,7 +11510,7 @@
               <a:buChar char=""/>
               <a:defRPr/>
             </a:pPr>
-            <a:endParaRPr lang="en-US" altLang="ko-KR" sz="1800" dirty="0" smtClean="0">
+            <a:endParaRPr lang="en-US" altLang="ko-KR" sz="1800" dirty="0">
               <a:solidFill>
                 <a:prstClr val="black"/>
               </a:solidFill>
@@ -11774,7 +11560,7 @@
               <a:buChar char=""/>
               <a:defRPr/>
             </a:pPr>
-            <a:endParaRPr lang="en-US" altLang="ko-KR" sz="1800" dirty="0" smtClean="0">
+            <a:endParaRPr lang="en-US" altLang="ko-KR" sz="1800" dirty="0">
               <a:solidFill>
                 <a:prstClr val="black"/>
               </a:solidFill>
@@ -11833,14 +11619,6 @@
               </a:rPr>
               <a:t>Without padding, each successive feature map would get smaller after the convolution operation.</a:t>
             </a:r>
-            <a:endParaRPr lang="en-US" altLang="ko-KR" sz="1800" dirty="0" smtClean="0">
-              <a:solidFill>
-                <a:prstClr val="black"/>
-              </a:solidFill>
-              <a:latin typeface="Calibri" panose="020F0502020204030204" pitchFamily="34" charset="0"/>
-              <a:ea typeface="ＭＳ Ｐゴシック" charset="0"/>
-              <a:cs typeface="Calibri" panose="020F0502020204030204" pitchFamily="34" charset="0"/>
-            </a:endParaRPr>
           </a:p>
           <a:p>
             <a:pPr lvl="0" eaLnBrk="0" hangingPunct="0">
@@ -11856,7 +11634,7 @@
               <a:buSzPct val="76000"/>
               <a:defRPr/>
             </a:pPr>
-            <a:endParaRPr lang="en-US" altLang="ko-KR" dirty="0" smtClean="0"/>
+            <a:endParaRPr lang="en-US" altLang="ko-KR" dirty="0"/>
           </a:p>
         </p:txBody>
       </p:sp>
@@ -11911,13 +11689,6 @@
   <p:clrMapOvr>
     <a:masterClrMapping/>
   </p:clrMapOvr>
-  <p:timing>
-    <p:tnLst>
-      <p:par>
-        <p:cTn id="1" dur="indefinite" restart="never" nodeType="tmRoot"/>
-      </p:par>
-    </p:tnLst>
-  </p:timing>
 </p:sld>
 </file>
 
@@ -11960,7 +11731,7 @@
           <a:p>
             <a:pPr algn="ctr" eaLnBrk="1" hangingPunct="1"/>
             <a:r>
-              <a:rPr lang="en-US" altLang="ko-KR" sz="3000" dirty="0" smtClean="0">
+              <a:rPr lang="en-US" altLang="ko-KR" sz="3000" dirty="0">
                 <a:solidFill>
                   <a:schemeClr val="tx1"/>
                 </a:solidFill>
@@ -12191,14 +11962,7 @@
                 <a:latin typeface="Calibri" panose="020F0502020204030204" pitchFamily="34" charset="0"/>
                 <a:cs typeface="Calibri" panose="020F0502020204030204" pitchFamily="34" charset="0"/>
               </a:rPr>
-              <a:t> operation which reduces the in-plane dimensionality of the feature maps in order to introduce a translation invariance to small shifts and </a:t>
-            </a:r>
-            <a:r>
-              <a:rPr lang="en-US" altLang="ko-KR" sz="2000" dirty="0" smtClean="0">
-                <a:latin typeface="Calibri" panose="020F0502020204030204" pitchFamily="34" charset="0"/>
-                <a:cs typeface="Calibri" panose="020F0502020204030204" pitchFamily="34" charset="0"/>
-              </a:rPr>
-              <a:t>distortions.</a:t>
+              <a:t> operation which reduces the in-plane dimensionality of the feature maps in order to introduce a translation invariance to small shifts and distortions.</a:t>
             </a:r>
           </a:p>
           <a:p>
@@ -12209,7 +11973,7 @@
               <a:defRPr/>
             </a:pPr>
             <a:r>
-              <a:rPr lang="en-US" altLang="ko-KR" sz="2000" dirty="0" smtClean="0">
+              <a:rPr lang="en-US" altLang="ko-KR" sz="2000" dirty="0">
                 <a:latin typeface="Calibri" panose="020F0502020204030204" pitchFamily="34" charset="0"/>
                 <a:cs typeface="Calibri" panose="020F0502020204030204" pitchFamily="34" charset="0"/>
               </a:rPr>
@@ -12224,7 +11988,7 @@
               <a:defRPr/>
             </a:pPr>
             <a:r>
-              <a:rPr lang="en-US" altLang="ko-KR" sz="2000" dirty="0" smtClean="0">
+              <a:rPr lang="en-US" altLang="ko-KR" sz="2000" dirty="0">
                 <a:latin typeface="Calibri" panose="020F0502020204030204" pitchFamily="34" charset="0"/>
                 <a:cs typeface="Calibri" panose="020F0502020204030204" pitchFamily="34" charset="0"/>
               </a:rPr>
@@ -12240,21 +12004,21 @@
               <a:defRPr/>
             </a:pPr>
             <a:r>
-              <a:rPr lang="en-US" altLang="ko-KR" sz="2000" dirty="0" smtClean="0">
+              <a:rPr lang="en-US" altLang="ko-KR" sz="2000" dirty="0">
                 <a:latin typeface="Calibri" panose="020F0502020204030204" pitchFamily="34" charset="0"/>
                 <a:cs typeface="Calibri" panose="020F0502020204030204" pitchFamily="34" charset="0"/>
               </a:rPr>
               <a:t>1. </a:t>
             </a:r>
             <a:r>
-              <a:rPr lang="en-US" altLang="ko-KR" sz="2000" b="1" dirty="0" smtClean="0">
+              <a:rPr lang="en-US" altLang="ko-KR" sz="2000" b="1" dirty="0">
                 <a:latin typeface="Calibri" panose="020F0502020204030204" pitchFamily="34" charset="0"/>
                 <a:cs typeface="Calibri" panose="020F0502020204030204" pitchFamily="34" charset="0"/>
               </a:rPr>
               <a:t>Max pooling </a:t>
             </a:r>
             <a:r>
-              <a:rPr lang="en-US" altLang="ko-KR" sz="2000" dirty="0" smtClean="0">
+              <a:rPr lang="en-US" altLang="ko-KR" sz="2000" dirty="0">
                 <a:latin typeface="Calibri" panose="020F0502020204030204" pitchFamily="34" charset="0"/>
                 <a:cs typeface="Calibri" panose="020F0502020204030204" pitchFamily="34" charset="0"/>
               </a:rPr>
@@ -12284,7 +12048,7 @@
               <a:buChar char="-"/>
               <a:defRPr/>
             </a:pPr>
-            <a:endParaRPr lang="en-US" altLang="ko-KR" sz="2000" dirty="0" smtClean="0">
+            <a:endParaRPr lang="en-US" altLang="ko-KR" sz="2000" dirty="0">
               <a:latin typeface="Calibri" panose="020F0502020204030204" pitchFamily="34" charset="0"/>
               <a:cs typeface="Calibri" panose="020F0502020204030204" pitchFamily="34" charset="0"/>
             </a:endParaRPr>
@@ -12297,7 +12061,7 @@
               <a:buNone/>
               <a:defRPr/>
             </a:pPr>
-            <a:endParaRPr lang="en-US" altLang="ko-KR" sz="2000" dirty="0" smtClean="0">
+            <a:endParaRPr lang="en-US" altLang="ko-KR" sz="2000" dirty="0">
               <a:latin typeface="Calibri" panose="020F0502020204030204" pitchFamily="34" charset="0"/>
               <a:cs typeface="Calibri" panose="020F0502020204030204" pitchFamily="34" charset="0"/>
             </a:endParaRPr>
@@ -12325,30 +12089,26 @@
               <a:defRPr/>
             </a:pPr>
             <a:r>
-              <a:rPr lang="en-US" altLang="ko-KR" sz="2000" dirty="0" smtClean="0">
+              <a:rPr lang="en-US" altLang="ko-KR" sz="2000" dirty="0">
                 <a:latin typeface="Calibri" panose="020F0502020204030204" pitchFamily="34" charset="0"/>
                 <a:cs typeface="Calibri" panose="020F0502020204030204" pitchFamily="34" charset="0"/>
               </a:rPr>
               <a:t>2. </a:t>
             </a:r>
             <a:r>
-              <a:rPr lang="en-US" altLang="ko-KR" sz="2000" b="1" dirty="0" smtClean="0">
+              <a:rPr lang="en-US" altLang="ko-KR" sz="2000" b="1" dirty="0">
                 <a:latin typeface="Calibri" panose="020F0502020204030204" pitchFamily="34" charset="0"/>
                 <a:cs typeface="Calibri" panose="020F0502020204030204" pitchFamily="34" charset="0"/>
               </a:rPr>
               <a:t>Global average pooling </a:t>
             </a:r>
             <a:r>
-              <a:rPr lang="en-US" altLang="ko-KR" sz="2000" dirty="0" smtClean="0">
+              <a:rPr lang="en-US" altLang="ko-KR" sz="2000" dirty="0">
                 <a:latin typeface="Calibri" panose="020F0502020204030204" pitchFamily="34" charset="0"/>
                 <a:cs typeface="Calibri" panose="020F0502020204030204" pitchFamily="34" charset="0"/>
               </a:rPr>
               <a:t>: computing the mean of each entire feature map.</a:t>
             </a:r>
-            <a:endParaRPr lang="en-US" altLang="ko-KR" sz="2000" dirty="0">
-              <a:latin typeface="Calibri" panose="020F0502020204030204" pitchFamily="34" charset="0"/>
-              <a:cs typeface="Calibri" panose="020F0502020204030204" pitchFamily="34" charset="0"/>
-            </a:endParaRPr>
           </a:p>
         </p:txBody>
       </p:sp>
@@ -12472,10 +12232,9 @@
             <a:p>
               <a:pPr algn="ctr"/>
               <a:r>
-                <a:rPr lang="en-US" sz="1050" dirty="0" smtClean="0"/>
+                <a:rPr lang="en-US" sz="1050" dirty="0"/>
                 <a:t>Averaging for each feature map</a:t>
               </a:r>
-              <a:endParaRPr lang="en-US" sz="1050" dirty="0"/>
             </a:p>
           </p:txBody>
         </p:sp>
@@ -12490,13 +12249,6 @@
   <p:clrMapOvr>
     <a:masterClrMapping/>
   </p:clrMapOvr>
-  <p:timing>
-    <p:tnLst>
-      <p:par>
-        <p:cTn id="1" dur="indefinite" restart="never" nodeType="tmRoot"/>
-      </p:par>
-    </p:tnLst>
-  </p:timing>
 </p:sld>
 </file>
 
@@ -12539,7 +12291,7 @@
           <a:p>
             <a:pPr algn="ctr" eaLnBrk="1" hangingPunct="1"/>
             <a:r>
-              <a:rPr lang="en-US" altLang="ko-KR" sz="3000" dirty="0" smtClean="0">
+              <a:rPr lang="en-US" altLang="ko-KR" sz="3000" dirty="0">
                 <a:solidFill>
                   <a:schemeClr val="tx1"/>
                 </a:solidFill>
@@ -12735,21 +12487,21 @@
               <a:defRPr/>
             </a:pPr>
             <a:r>
-              <a:rPr lang="en-US" altLang="ko-KR" sz="1600" dirty="0" smtClean="0">
+              <a:rPr lang="en-US" altLang="ko-KR" sz="1600" dirty="0">
                 <a:latin typeface="Calibri" panose="020F0502020204030204" pitchFamily="34" charset="0"/>
                 <a:cs typeface="Calibri" panose="020F0502020204030204" pitchFamily="34" charset="0"/>
               </a:rPr>
               <a:t>First, build three layers which are composed of a convolution layer for 2D (Conv2D) with an activation function of </a:t>
             </a:r>
             <a:r>
-              <a:rPr lang="en-US" altLang="ko-KR" sz="1600" dirty="0" err="1" smtClean="0">
+              <a:rPr lang="en-US" altLang="ko-KR" sz="1600" dirty="0" err="1">
                 <a:latin typeface="Calibri" panose="020F0502020204030204" pitchFamily="34" charset="0"/>
                 <a:cs typeface="Calibri" panose="020F0502020204030204" pitchFamily="34" charset="0"/>
               </a:rPr>
               <a:t>ReLU</a:t>
             </a:r>
             <a:r>
-              <a:rPr lang="en-US" altLang="ko-KR" sz="1600" dirty="0" smtClean="0">
+              <a:rPr lang="en-US" altLang="ko-KR" sz="1600" dirty="0">
                 <a:latin typeface="Calibri" panose="020F0502020204030204" pitchFamily="34" charset="0"/>
                 <a:cs typeface="Calibri" panose="020F0502020204030204" pitchFamily="34" charset="0"/>
               </a:rPr>
@@ -12764,7 +12516,7 @@
               <a:defRPr/>
             </a:pPr>
             <a:r>
-              <a:rPr lang="en-US" altLang="ko-KR" sz="1600" dirty="0" smtClean="0">
+              <a:rPr lang="en-US" altLang="ko-KR" sz="1600" dirty="0">
                 <a:latin typeface="Calibri" panose="020F0502020204030204" pitchFamily="34" charset="0"/>
                 <a:cs typeface="Calibri" panose="020F0502020204030204" pitchFamily="34" charset="0"/>
               </a:rPr>
@@ -12778,7 +12530,7 @@
               </a:lnSpc>
               <a:defRPr/>
             </a:pPr>
-            <a:endParaRPr lang="en-US" altLang="ko-KR" sz="1600" dirty="0" smtClean="0">
+            <a:endParaRPr lang="en-US" altLang="ko-KR" sz="1600" dirty="0">
               <a:latin typeface="Calibri" panose="020F0502020204030204" pitchFamily="34" charset="0"/>
               <a:cs typeface="Calibri" panose="020F0502020204030204" pitchFamily="34" charset="0"/>
             </a:endParaRPr>
@@ -12791,21 +12543,21 @@
               <a:defRPr/>
             </a:pPr>
             <a:r>
-              <a:rPr lang="en-US" altLang="ko-KR" sz="1600" dirty="0" smtClean="0">
+              <a:rPr lang="en-US" altLang="ko-KR" sz="1600" dirty="0">
                 <a:latin typeface="Calibri" panose="020F0502020204030204" pitchFamily="34" charset="0"/>
                 <a:cs typeface="Calibri" panose="020F0502020204030204" pitchFamily="34" charset="0"/>
               </a:rPr>
               <a:t>Then, add a flatten layer and add a dense layer with 64 neurons and an activation function of </a:t>
             </a:r>
             <a:r>
-              <a:rPr lang="en-US" altLang="ko-KR" sz="1600" dirty="0" err="1" smtClean="0">
+              <a:rPr lang="en-US" altLang="ko-KR" sz="1600" dirty="0" err="1">
                 <a:latin typeface="Calibri" panose="020F0502020204030204" pitchFamily="34" charset="0"/>
                 <a:cs typeface="Calibri" panose="020F0502020204030204" pitchFamily="34" charset="0"/>
               </a:rPr>
               <a:t>ReLU</a:t>
             </a:r>
             <a:r>
-              <a:rPr lang="en-US" altLang="ko-KR" sz="1600" dirty="0" smtClean="0">
+              <a:rPr lang="en-US" altLang="ko-KR" sz="1600" dirty="0">
                 <a:latin typeface="Calibri" panose="020F0502020204030204" pitchFamily="34" charset="0"/>
                 <a:cs typeface="Calibri" panose="020F0502020204030204" pitchFamily="34" charset="0"/>
               </a:rPr>
@@ -12820,14 +12572,14 @@
               <a:defRPr/>
             </a:pPr>
             <a:r>
-              <a:rPr lang="en-US" altLang="ko-KR" sz="1600" dirty="0" smtClean="0">
+              <a:rPr lang="en-US" altLang="ko-KR" sz="1600" dirty="0">
                 <a:latin typeface="Calibri" panose="020F0502020204030204" pitchFamily="34" charset="0"/>
                 <a:cs typeface="Calibri" panose="020F0502020204030204" pitchFamily="34" charset="0"/>
               </a:rPr>
               <a:t>Finally, add a dense layer with 6 neurons and an activation function of </a:t>
             </a:r>
             <a:r>
-              <a:rPr lang="en-US" altLang="ko-KR" sz="1600" dirty="0" err="1" smtClean="0">
+              <a:rPr lang="en-US" altLang="ko-KR" sz="1600" dirty="0" err="1">
                 <a:latin typeface="Calibri" panose="020F0502020204030204" pitchFamily="34" charset="0"/>
                 <a:cs typeface="Calibri" panose="020F0502020204030204" pitchFamily="34" charset="0"/>
               </a:rPr>
@@ -12838,14 +12590,7 @@
                 <a:latin typeface="Calibri" panose="020F0502020204030204" pitchFamily="34" charset="0"/>
                 <a:cs typeface="Calibri" panose="020F0502020204030204" pitchFamily="34" charset="0"/>
               </a:rPr>
-              <a:t> </a:t>
-            </a:r>
-            <a:r>
-              <a:rPr lang="en-US" altLang="ko-KR" sz="1600" dirty="0" smtClean="0">
-                <a:latin typeface="Calibri" panose="020F0502020204030204" pitchFamily="34" charset="0"/>
-                <a:cs typeface="Calibri" panose="020F0502020204030204" pitchFamily="34" charset="0"/>
-              </a:rPr>
-              <a:t>for output.</a:t>
+              <a:t> for output.</a:t>
             </a:r>
           </a:p>
           <a:p>
@@ -12855,7 +12600,7 @@
               </a:lnSpc>
               <a:defRPr/>
             </a:pPr>
-            <a:endParaRPr lang="en-US" altLang="ko-KR" dirty="0" smtClean="0">
+            <a:endParaRPr lang="en-US" altLang="ko-KR" dirty="0">
               <a:latin typeface="Calibri" panose="020F0502020204030204" pitchFamily="34" charset="0"/>
               <a:cs typeface="Calibri" panose="020F0502020204030204" pitchFamily="34" charset="0"/>
             </a:endParaRPr>
@@ -12896,13 +12641,6 @@
   <p:clrMapOvr>
     <a:masterClrMapping/>
   </p:clrMapOvr>
-  <p:timing>
-    <p:tnLst>
-      <p:par>
-        <p:cTn id="1" dur="indefinite" restart="never" nodeType="tmRoot"/>
-      </p:par>
-    </p:tnLst>
-  </p:timing>
 </p:sld>
 </file>
 
@@ -12955,14 +12693,6 @@
               </a:rPr>
               <a:t>Build CNN</a:t>
             </a:r>
-            <a:endParaRPr lang="en-US" altLang="ko-KR" sz="3000" dirty="0" smtClean="0">
-              <a:solidFill>
-                <a:schemeClr val="tx1"/>
-              </a:solidFill>
-              <a:latin typeface="Calibri" panose="020F0502020204030204" pitchFamily="34" charset="0"/>
-              <a:ea typeface="Dotum" pitchFamily="34" charset="-127"/>
-              <a:cs typeface="Calibri" panose="020F0502020204030204" pitchFamily="34" charset="0"/>
-            </a:endParaRPr>
           </a:p>
         </p:txBody>
       </p:sp>
@@ -13149,21 +12879,21 @@
               <a:defRPr/>
             </a:pPr>
             <a:r>
-              <a:rPr lang="en-US" altLang="ko-KR" sz="1800" dirty="0" smtClean="0">
+              <a:rPr lang="en-US" altLang="ko-KR" sz="1800" dirty="0">
                 <a:latin typeface="Calibri" panose="020F0502020204030204" pitchFamily="34" charset="0"/>
                 <a:cs typeface="Calibri" panose="020F0502020204030204" pitchFamily="34" charset="0"/>
               </a:rPr>
               <a:t>We use “</a:t>
             </a:r>
             <a:r>
-              <a:rPr lang="en-US" altLang="ko-KR" sz="1800" dirty="0" err="1" smtClean="0">
+              <a:rPr lang="en-US" altLang="ko-KR" sz="1800" dirty="0" err="1">
                 <a:latin typeface="Calibri" panose="020F0502020204030204" pitchFamily="34" charset="0"/>
                 <a:cs typeface="Calibri" panose="020F0502020204030204" pitchFamily="34" charset="0"/>
               </a:rPr>
               <a:t>callbacks_list</a:t>
             </a:r>
             <a:r>
-              <a:rPr lang="en-US" altLang="ko-KR" sz="1800" dirty="0" smtClean="0">
+              <a:rPr lang="en-US" altLang="ko-KR" sz="1800" dirty="0">
                 <a:latin typeface="Calibri" panose="020F0502020204030204" pitchFamily="34" charset="0"/>
                 <a:cs typeface="Calibri" panose="020F0502020204030204" pitchFamily="34" charset="0"/>
               </a:rPr>
@@ -13179,7 +12909,7 @@
               <a:defRPr/>
             </a:pPr>
             <a:r>
-              <a:rPr lang="en-US" altLang="ko-KR" sz="1600" dirty="0" smtClean="0">
+              <a:rPr lang="en-US" altLang="ko-KR" sz="1600" dirty="0">
                 <a:latin typeface="Calibri" panose="020F0502020204030204" pitchFamily="34" charset="0"/>
                 <a:cs typeface="Calibri" panose="020F0502020204030204" pitchFamily="34" charset="0"/>
               </a:rPr>
@@ -13193,7 +12923,7 @@
               </a:lnSpc>
               <a:defRPr/>
             </a:pPr>
-            <a:endParaRPr lang="en-US" altLang="ko-KR" sz="1800" dirty="0" smtClean="0">
+            <a:endParaRPr lang="en-US" altLang="ko-KR" sz="1800" dirty="0">
               <a:latin typeface="Calibri" panose="020F0502020204030204" pitchFamily="34" charset="0"/>
               <a:cs typeface="Calibri" panose="020F0502020204030204" pitchFamily="34" charset="0"/>
             </a:endParaRPr>
@@ -13352,13 +13082,6 @@
   <p:clrMapOvr>
     <a:masterClrMapping/>
   </p:clrMapOvr>
-  <p:timing>
-    <p:tnLst>
-      <p:par>
-        <p:cTn id="1" dur="indefinite" restart="never" nodeType="tmRoot"/>
-      </p:par>
-    </p:tnLst>
-  </p:timing>
 </p:sld>
 </file>
 
@@ -13401,7 +13124,7 @@
           <a:p>
             <a:pPr algn="ctr" eaLnBrk="1" hangingPunct="1"/>
             <a:r>
-              <a:rPr lang="en-US" altLang="ko-KR" sz="3000" dirty="0" smtClean="0">
+              <a:rPr lang="en-US" altLang="ko-KR" sz="3000" dirty="0">
                 <a:solidFill>
                   <a:schemeClr val="tx1"/>
                 </a:solidFill>
@@ -13597,25 +13320,11 @@
               <a:defRPr/>
             </a:pPr>
             <a:r>
-              <a:rPr lang="en-US" altLang="ko-KR" sz="2000" dirty="0" smtClean="0">
-                <a:latin typeface="Calibri" panose="020F0502020204030204" pitchFamily="34" charset="0"/>
-                <a:cs typeface="Calibri" panose="020F0502020204030204" pitchFamily="34" charset="0"/>
-              </a:rPr>
-              <a:t>After training is over, load the model</a:t>
-            </a:r>
-            <a:r>
               <a:rPr lang="en-US" altLang="ko-KR" sz="2000" dirty="0">
                 <a:latin typeface="Calibri" panose="020F0502020204030204" pitchFamily="34" charset="0"/>
                 <a:cs typeface="Calibri" panose="020F0502020204030204" pitchFamily="34" charset="0"/>
               </a:rPr>
-              <a:t> </a:t>
-            </a:r>
-            <a:r>
-              <a:rPr lang="en-US" altLang="ko-KR" sz="2000" dirty="0" smtClean="0">
-                <a:latin typeface="Calibri" panose="020F0502020204030204" pitchFamily="34" charset="0"/>
-                <a:cs typeface="Calibri" panose="020F0502020204030204" pitchFamily="34" charset="0"/>
-              </a:rPr>
-              <a:t>with a highest validation accuracy.</a:t>
+              <a:t>After training is over, load the model with a highest validation accuracy.</a:t>
             </a:r>
           </a:p>
           <a:p>
@@ -13626,14 +13335,14 @@
               <a:defRPr/>
             </a:pPr>
             <a:r>
-              <a:rPr lang="en-US" altLang="ko-KR" sz="2000" dirty="0" smtClean="0">
+              <a:rPr lang="en-US" altLang="ko-KR" sz="2000" dirty="0">
                 <a:latin typeface="Calibri" panose="020F0502020204030204" pitchFamily="34" charset="0"/>
                 <a:cs typeface="Calibri" panose="020F0502020204030204" pitchFamily="34" charset="0"/>
               </a:rPr>
               <a:t>While the validation accuracy of ANN with simple dense layers  doesn’t exceed </a:t>
             </a:r>
             <a:r>
-              <a:rPr lang="en-US" altLang="ko-KR" sz="2000" dirty="0" smtClean="0">
+              <a:rPr lang="en-US" altLang="ko-KR" sz="2000" dirty="0">
                 <a:solidFill>
                   <a:srgbClr val="FF0000"/>
                 </a:solidFill>
@@ -13643,18 +13352,11 @@
               <a:t>20 %</a:t>
             </a:r>
             <a:r>
-              <a:rPr lang="en-US" altLang="ko-KR" sz="2000" dirty="0" smtClean="0">
-                <a:latin typeface="Calibri" panose="020F0502020204030204" pitchFamily="34" charset="0"/>
-                <a:cs typeface="Calibri" panose="020F0502020204030204" pitchFamily="34" charset="0"/>
-              </a:rPr>
-              <a:t> in Homework #4 (d), This CNN model </a:t>
-            </a:r>
-            <a:r>
               <a:rPr lang="en-US" altLang="ko-KR" sz="2000" dirty="0">
                 <a:latin typeface="Calibri" panose="020F0502020204030204" pitchFamily="34" charset="0"/>
                 <a:cs typeface="Calibri" panose="020F0502020204030204" pitchFamily="34" charset="0"/>
               </a:rPr>
-              <a:t>have the validation accuracy of </a:t>
+              <a:t> in Homework #4 (d), This CNN model have the validation accuracy of </a:t>
             </a:r>
             <a:r>
               <a:rPr lang="en-US" altLang="ko-KR" sz="2000" dirty="0">
@@ -13674,7 +13376,7 @@
               </a:lnSpc>
               <a:defRPr/>
             </a:pPr>
-            <a:endParaRPr lang="en-US" altLang="ko-KR" sz="2000" dirty="0" smtClean="0">
+            <a:endParaRPr lang="en-US" altLang="ko-KR" sz="2000" dirty="0">
               <a:latin typeface="Calibri" panose="020F0502020204030204" pitchFamily="34" charset="0"/>
               <a:cs typeface="Calibri" panose="020F0502020204030204" pitchFamily="34" charset="0"/>
             </a:endParaRPr>
@@ -13686,7 +13388,7 @@
               </a:lnSpc>
               <a:defRPr/>
             </a:pPr>
-            <a:endParaRPr lang="en-US" altLang="ko-KR" sz="2000" dirty="0" smtClean="0">
+            <a:endParaRPr lang="en-US" altLang="ko-KR" sz="2000" dirty="0">
               <a:latin typeface="Calibri" panose="020F0502020204030204" pitchFamily="34" charset="0"/>
               <a:cs typeface="Calibri" panose="020F0502020204030204" pitchFamily="34" charset="0"/>
             </a:endParaRPr>
@@ -13698,7 +13400,7 @@
               </a:lnSpc>
               <a:defRPr/>
             </a:pPr>
-            <a:endParaRPr lang="en-US" altLang="ko-KR" sz="2000" dirty="0" smtClean="0">
+            <a:endParaRPr lang="en-US" altLang="ko-KR" sz="2000" dirty="0">
               <a:latin typeface="Calibri" panose="020F0502020204030204" pitchFamily="34" charset="0"/>
               <a:cs typeface="Calibri" panose="020F0502020204030204" pitchFamily="34" charset="0"/>
             </a:endParaRPr>
@@ -13878,7 +13580,7 @@
               <a:defRPr/>
             </a:pPr>
             <a:r>
-              <a:rPr lang="en-US" altLang="ko-KR" sz="2000" dirty="0" smtClean="0">
+              <a:rPr lang="en-US" altLang="ko-KR" sz="2000" dirty="0">
                 <a:latin typeface="Calibri" panose="020F0502020204030204" pitchFamily="34" charset="0"/>
                 <a:cs typeface="Calibri" panose="020F0502020204030204" pitchFamily="34" charset="0"/>
               </a:rPr>
@@ -13892,7 +13594,7 @@
               </a:lnSpc>
               <a:defRPr/>
             </a:pPr>
-            <a:endParaRPr lang="en-US" altLang="ko-KR" sz="2000" dirty="0" smtClean="0">
+            <a:endParaRPr lang="en-US" altLang="ko-KR" sz="2000" dirty="0">
               <a:latin typeface="Calibri" panose="020F0502020204030204" pitchFamily="34" charset="0"/>
               <a:cs typeface="Calibri" panose="020F0502020204030204" pitchFamily="34" charset="0"/>
             </a:endParaRPr>
@@ -13933,13 +13635,6 @@
   <p:clrMapOvr>
     <a:masterClrMapping/>
   </p:clrMapOvr>
-  <p:timing>
-    <p:tnLst>
-      <p:par>
-        <p:cTn id="1" dur="indefinite" restart="never" nodeType="tmRoot"/>
-      </p:par>
-    </p:tnLst>
-  </p:timing>
 </p:sld>
 </file>
 
